--- a/06_Figures/Figure5.pptx
+++ b/06_Figures/Figure5.pptx
@@ -2,18 +2,18 @@
 <file path=ppt/presentation.xml><?xml version="1.0" encoding="utf-8"?>
 <p:presentation xmlns:a="http://schemas.openxmlformats.org/drawingml/2006/main" xmlns:r="http://schemas.openxmlformats.org/officeDocument/2006/relationships" xmlns:p="http://schemas.openxmlformats.org/presentationml/2006/main" saveSubsetFonts="1">
   <p:sldMasterIdLst>
-    <p:sldMasterId id="2147483648" r:id="rId1"/>
+    <p:sldMasterId id="2147483660" r:id="rId1"/>
   </p:sldMasterIdLst>
   <p:sldIdLst>
     <p:sldId id="256" r:id="rId2"/>
   </p:sldIdLst>
-  <p:sldSz cx="12192000" cy="6858000"/>
+  <p:sldSz cx="9144000" cy="6858000" type="screen4x3"/>
   <p:notesSz cx="6858000" cy="9144000"/>
   <p:defaultTextStyle>
     <a:defPPr>
-      <a:defRPr lang="fr-FR"/>
+      <a:defRPr lang="en-US"/>
     </a:defPPr>
-    <a:lvl1pPr marL="0" algn="l" defTabSz="914400" rtl="0" eaLnBrk="1" latinLnBrk="0" hangingPunct="1">
+    <a:lvl1pPr marL="0" algn="l" defTabSz="457200" rtl="0" eaLnBrk="1" latinLnBrk="0" hangingPunct="1">
       <a:defRPr sz="1800" kern="1200">
         <a:solidFill>
           <a:schemeClr val="tx1"/>
@@ -23,7 +23,7 @@
         <a:cs typeface="+mn-cs"/>
       </a:defRPr>
     </a:lvl1pPr>
-    <a:lvl2pPr marL="457200" algn="l" defTabSz="914400" rtl="0" eaLnBrk="1" latinLnBrk="0" hangingPunct="1">
+    <a:lvl2pPr marL="457200" algn="l" defTabSz="457200" rtl="0" eaLnBrk="1" latinLnBrk="0" hangingPunct="1">
       <a:defRPr sz="1800" kern="1200">
         <a:solidFill>
           <a:schemeClr val="tx1"/>
@@ -33,7 +33,7 @@
         <a:cs typeface="+mn-cs"/>
       </a:defRPr>
     </a:lvl2pPr>
-    <a:lvl3pPr marL="914400" algn="l" defTabSz="914400" rtl="0" eaLnBrk="1" latinLnBrk="0" hangingPunct="1">
+    <a:lvl3pPr marL="914400" algn="l" defTabSz="457200" rtl="0" eaLnBrk="1" latinLnBrk="0" hangingPunct="1">
       <a:defRPr sz="1800" kern="1200">
         <a:solidFill>
           <a:schemeClr val="tx1"/>
@@ -43,7 +43,7 @@
         <a:cs typeface="+mn-cs"/>
       </a:defRPr>
     </a:lvl3pPr>
-    <a:lvl4pPr marL="1371600" algn="l" defTabSz="914400" rtl="0" eaLnBrk="1" latinLnBrk="0" hangingPunct="1">
+    <a:lvl4pPr marL="1371600" algn="l" defTabSz="457200" rtl="0" eaLnBrk="1" latinLnBrk="0" hangingPunct="1">
       <a:defRPr sz="1800" kern="1200">
         <a:solidFill>
           <a:schemeClr val="tx1"/>
@@ -53,7 +53,7 @@
         <a:cs typeface="+mn-cs"/>
       </a:defRPr>
     </a:lvl4pPr>
-    <a:lvl5pPr marL="1828800" algn="l" defTabSz="914400" rtl="0" eaLnBrk="1" latinLnBrk="0" hangingPunct="1">
+    <a:lvl5pPr marL="1828800" algn="l" defTabSz="457200" rtl="0" eaLnBrk="1" latinLnBrk="0" hangingPunct="1">
       <a:defRPr sz="1800" kern="1200">
         <a:solidFill>
           <a:schemeClr val="tx1"/>
@@ -63,7 +63,7 @@
         <a:cs typeface="+mn-cs"/>
       </a:defRPr>
     </a:lvl5pPr>
-    <a:lvl6pPr marL="2286000" algn="l" defTabSz="914400" rtl="0" eaLnBrk="1" latinLnBrk="0" hangingPunct="1">
+    <a:lvl6pPr marL="2286000" algn="l" defTabSz="457200" rtl="0" eaLnBrk="1" latinLnBrk="0" hangingPunct="1">
       <a:defRPr sz="1800" kern="1200">
         <a:solidFill>
           <a:schemeClr val="tx1"/>
@@ -73,7 +73,7 @@
         <a:cs typeface="+mn-cs"/>
       </a:defRPr>
     </a:lvl6pPr>
-    <a:lvl7pPr marL="2743200" algn="l" defTabSz="914400" rtl="0" eaLnBrk="1" latinLnBrk="0" hangingPunct="1">
+    <a:lvl7pPr marL="2743200" algn="l" defTabSz="457200" rtl="0" eaLnBrk="1" latinLnBrk="0" hangingPunct="1">
       <a:defRPr sz="1800" kern="1200">
         <a:solidFill>
           <a:schemeClr val="tx1"/>
@@ -83,7 +83,7 @@
         <a:cs typeface="+mn-cs"/>
       </a:defRPr>
     </a:lvl7pPr>
-    <a:lvl8pPr marL="3200400" algn="l" defTabSz="914400" rtl="0" eaLnBrk="1" latinLnBrk="0" hangingPunct="1">
+    <a:lvl8pPr marL="3200400" algn="l" defTabSz="457200" rtl="0" eaLnBrk="1" latinLnBrk="0" hangingPunct="1">
       <a:defRPr sz="1800" kern="1200">
         <a:solidFill>
           <a:schemeClr val="tx1"/>
@@ -93,7 +93,7 @@
         <a:cs typeface="+mn-cs"/>
       </a:defRPr>
     </a:lvl8pPr>
-    <a:lvl9pPr marL="3657600" algn="l" defTabSz="914400" rtl="0" eaLnBrk="1" latinLnBrk="0" hangingPunct="1">
+    <a:lvl9pPr marL="3657600" algn="l" defTabSz="457200" rtl="0" eaLnBrk="1" latinLnBrk="0" hangingPunct="1">
       <a:defRPr sz="1800" kern="1200">
         <a:solidFill>
           <a:schemeClr val="tx1"/>
@@ -131,7 +131,7 @@
       </p:grpSpPr>
       <p:sp>
         <p:nvSpPr>
-          <p:cNvPr id="2" name="Titre 1"/>
+          <p:cNvPr id="2" name="Title 1"/>
           <p:cNvSpPr>
             <a:spLocks noGrp="1"/>
           </p:cNvSpPr>
@@ -141,8 +141,8 @@
         </p:nvSpPr>
         <p:spPr>
           <a:xfrm>
-            <a:off x="1524000" y="1122363"/>
-            <a:ext cx="9144000" cy="2387600"/>
+            <a:off x="685800" y="1122363"/>
+            <a:ext cx="7772400" cy="2387600"/>
           </a:xfrm>
         </p:spPr>
         <p:txBody>
@@ -157,13 +157,13 @@
               <a:rPr lang="fr-FR" smtClean="0"/>
               <a:t>Modifiez le style du titre</a:t>
             </a:r>
-            <a:endParaRPr lang="fr-FR"/>
-          </a:p>
-        </p:txBody>
-      </p:sp>
-      <p:sp>
-        <p:nvSpPr>
-          <p:cNvPr id="3" name="Sous-titre 2"/>
+            <a:endParaRPr lang="en-US" dirty="0"/>
+          </a:p>
+        </p:txBody>
+      </p:sp>
+      <p:sp>
+        <p:nvSpPr>
+          <p:cNvPr id="3" name="Subtitle 2"/>
           <p:cNvSpPr>
             <a:spLocks noGrp="1"/>
           </p:cNvSpPr>
@@ -173,8 +173,8 @@
         </p:nvSpPr>
         <p:spPr>
           <a:xfrm>
-            <a:off x="1524000" y="3602038"/>
-            <a:ext cx="9144000" cy="1655762"/>
+            <a:off x="1143000" y="3602038"/>
+            <a:ext cx="6858000" cy="1655762"/>
           </a:xfrm>
         </p:spPr>
         <p:txBody>
@@ -222,13 +222,13 @@
               <a:rPr lang="fr-FR" smtClean="0"/>
               <a:t>Modifier le style des sous-titres du masque</a:t>
             </a:r>
-            <a:endParaRPr lang="fr-FR"/>
-          </a:p>
-        </p:txBody>
-      </p:sp>
-      <p:sp>
-        <p:nvSpPr>
-          <p:cNvPr id="4" name="Espace réservé de la date 3"/>
+            <a:endParaRPr lang="en-US" dirty="0"/>
+          </a:p>
+        </p:txBody>
+      </p:sp>
+      <p:sp>
+        <p:nvSpPr>
+          <p:cNvPr id="4" name="Date Placeholder 3"/>
           <p:cNvSpPr>
             <a:spLocks noGrp="1"/>
           </p:cNvSpPr>
@@ -243,7 +243,7 @@
           <a:p>
             <a:fld id="{3FF39126-F987-48DB-9EEF-9CD00B9E823D}" type="datetimeFigureOut">
               <a:rPr lang="fr-FR" smtClean="0"/>
-              <a:t>22/04/2022</a:t>
+              <a:t>12/07/2022</a:t>
             </a:fld>
             <a:endParaRPr lang="fr-FR"/>
           </a:p>
@@ -251,7 +251,7 @@
       </p:sp>
       <p:sp>
         <p:nvSpPr>
-          <p:cNvPr id="5" name="Espace réservé du pied de page 4"/>
+          <p:cNvPr id="5" name="Footer Placeholder 4"/>
           <p:cNvSpPr>
             <a:spLocks noGrp="1"/>
           </p:cNvSpPr>
@@ -270,7 +270,7 @@
       </p:sp>
       <p:sp>
         <p:nvSpPr>
-          <p:cNvPr id="6" name="Espace réservé du numéro de diapositive 5"/>
+          <p:cNvPr id="6" name="Slide Number Placeholder 5"/>
           <p:cNvSpPr>
             <a:spLocks noGrp="1"/>
           </p:cNvSpPr>
@@ -294,7 +294,7 @@
     </p:spTree>
     <p:extLst>
       <p:ext uri="{BB962C8B-B14F-4D97-AF65-F5344CB8AC3E}">
-        <p14:creationId xmlns:p14="http://schemas.microsoft.com/office/powerpoint/2010/main" val="2318457891"/>
+        <p14:creationId xmlns:p14="http://schemas.microsoft.com/office/powerpoint/2010/main" val="4206738952"/>
       </p:ext>
     </p:extLst>
   </p:cSld>
@@ -323,7 +323,7 @@
       </p:grpSpPr>
       <p:sp>
         <p:nvSpPr>
-          <p:cNvPr id="2" name="Titre 1"/>
+          <p:cNvPr id="2" name="Title 1"/>
           <p:cNvSpPr>
             <a:spLocks noGrp="1"/>
           </p:cNvSpPr>
@@ -340,13 +340,13 @@
               <a:rPr lang="fr-FR" smtClean="0"/>
               <a:t>Modifiez le style du titre</a:t>
             </a:r>
-            <a:endParaRPr lang="fr-FR"/>
-          </a:p>
-        </p:txBody>
-      </p:sp>
-      <p:sp>
-        <p:nvSpPr>
-          <p:cNvPr id="3" name="Espace réservé du texte vertical 2"/>
+            <a:endParaRPr lang="en-US" dirty="0"/>
+          </a:p>
+        </p:txBody>
+      </p:sp>
+      <p:sp>
+        <p:nvSpPr>
+          <p:cNvPr id="3" name="Vertical Text Placeholder 2"/>
           <p:cNvSpPr>
             <a:spLocks noGrp="1"/>
           </p:cNvSpPr>
@@ -392,13 +392,13 @@
               <a:rPr lang="fr-FR" smtClean="0"/>
               <a:t>Cinquième niveau</a:t>
             </a:r>
-            <a:endParaRPr lang="fr-FR"/>
-          </a:p>
-        </p:txBody>
-      </p:sp>
-      <p:sp>
-        <p:nvSpPr>
-          <p:cNvPr id="4" name="Espace réservé de la date 3"/>
+            <a:endParaRPr lang="en-US" dirty="0"/>
+          </a:p>
+        </p:txBody>
+      </p:sp>
+      <p:sp>
+        <p:nvSpPr>
+          <p:cNvPr id="4" name="Date Placeholder 3"/>
           <p:cNvSpPr>
             <a:spLocks noGrp="1"/>
           </p:cNvSpPr>
@@ -413,7 +413,7 @@
           <a:p>
             <a:fld id="{3FF39126-F987-48DB-9EEF-9CD00B9E823D}" type="datetimeFigureOut">
               <a:rPr lang="fr-FR" smtClean="0"/>
-              <a:t>22/04/2022</a:t>
+              <a:t>12/07/2022</a:t>
             </a:fld>
             <a:endParaRPr lang="fr-FR"/>
           </a:p>
@@ -421,7 +421,7 @@
       </p:sp>
       <p:sp>
         <p:nvSpPr>
-          <p:cNvPr id="5" name="Espace réservé du pied de page 4"/>
+          <p:cNvPr id="5" name="Footer Placeholder 4"/>
           <p:cNvSpPr>
             <a:spLocks noGrp="1"/>
           </p:cNvSpPr>
@@ -440,7 +440,7 @@
       </p:sp>
       <p:sp>
         <p:nvSpPr>
-          <p:cNvPr id="6" name="Espace réservé du numéro de diapositive 5"/>
+          <p:cNvPr id="6" name="Slide Number Placeholder 5"/>
           <p:cNvSpPr>
             <a:spLocks noGrp="1"/>
           </p:cNvSpPr>
@@ -464,7 +464,7 @@
     </p:spTree>
     <p:extLst>
       <p:ext uri="{BB962C8B-B14F-4D97-AF65-F5344CB8AC3E}">
-        <p14:creationId xmlns:p14="http://schemas.microsoft.com/office/powerpoint/2010/main" val="2989365919"/>
+        <p14:creationId xmlns:p14="http://schemas.microsoft.com/office/powerpoint/2010/main" val="2291071637"/>
       </p:ext>
     </p:extLst>
   </p:cSld>
@@ -493,7 +493,7 @@
       </p:grpSpPr>
       <p:sp>
         <p:nvSpPr>
-          <p:cNvPr id="2" name="Titre vertical 1"/>
+          <p:cNvPr id="2" name="Vertical Title 1"/>
           <p:cNvSpPr>
             <a:spLocks noGrp="1"/>
           </p:cNvSpPr>
@@ -503,8 +503,8 @@
         </p:nvSpPr>
         <p:spPr>
           <a:xfrm>
-            <a:off x="8724900" y="365125"/>
-            <a:ext cx="2628900" cy="5811838"/>
+            <a:off x="6543675" y="365125"/>
+            <a:ext cx="1971675" cy="5811838"/>
           </a:xfrm>
         </p:spPr>
         <p:txBody>
@@ -515,13 +515,13 @@
               <a:rPr lang="fr-FR" smtClean="0"/>
               <a:t>Modifiez le style du titre</a:t>
             </a:r>
-            <a:endParaRPr lang="fr-FR"/>
-          </a:p>
-        </p:txBody>
-      </p:sp>
-      <p:sp>
-        <p:nvSpPr>
-          <p:cNvPr id="3" name="Espace réservé du texte vertical 2"/>
+            <a:endParaRPr lang="en-US" dirty="0"/>
+          </a:p>
+        </p:txBody>
+      </p:sp>
+      <p:sp>
+        <p:nvSpPr>
+          <p:cNvPr id="3" name="Vertical Text Placeholder 2"/>
           <p:cNvSpPr>
             <a:spLocks noGrp="1"/>
           </p:cNvSpPr>
@@ -531,8 +531,8 @@
         </p:nvSpPr>
         <p:spPr>
           <a:xfrm>
-            <a:off x="838200" y="365125"/>
-            <a:ext cx="7734300" cy="5811838"/>
+            <a:off x="628650" y="365125"/>
+            <a:ext cx="5800725" cy="5811838"/>
           </a:xfrm>
         </p:spPr>
         <p:txBody>
@@ -572,13 +572,13 @@
               <a:rPr lang="fr-FR" smtClean="0"/>
               <a:t>Cinquième niveau</a:t>
             </a:r>
-            <a:endParaRPr lang="fr-FR"/>
-          </a:p>
-        </p:txBody>
-      </p:sp>
-      <p:sp>
-        <p:nvSpPr>
-          <p:cNvPr id="4" name="Espace réservé de la date 3"/>
+            <a:endParaRPr lang="en-US" dirty="0"/>
+          </a:p>
+        </p:txBody>
+      </p:sp>
+      <p:sp>
+        <p:nvSpPr>
+          <p:cNvPr id="4" name="Date Placeholder 3"/>
           <p:cNvSpPr>
             <a:spLocks noGrp="1"/>
           </p:cNvSpPr>
@@ -593,7 +593,7 @@
           <a:p>
             <a:fld id="{3FF39126-F987-48DB-9EEF-9CD00B9E823D}" type="datetimeFigureOut">
               <a:rPr lang="fr-FR" smtClean="0"/>
-              <a:t>22/04/2022</a:t>
+              <a:t>12/07/2022</a:t>
             </a:fld>
             <a:endParaRPr lang="fr-FR"/>
           </a:p>
@@ -601,7 +601,7 @@
       </p:sp>
       <p:sp>
         <p:nvSpPr>
-          <p:cNvPr id="5" name="Espace réservé du pied de page 4"/>
+          <p:cNvPr id="5" name="Footer Placeholder 4"/>
           <p:cNvSpPr>
             <a:spLocks noGrp="1"/>
           </p:cNvSpPr>
@@ -620,7 +620,7 @@
       </p:sp>
       <p:sp>
         <p:nvSpPr>
-          <p:cNvPr id="6" name="Espace réservé du numéro de diapositive 5"/>
+          <p:cNvPr id="6" name="Slide Number Placeholder 5"/>
           <p:cNvSpPr>
             <a:spLocks noGrp="1"/>
           </p:cNvSpPr>
@@ -644,7 +644,7 @@
     </p:spTree>
     <p:extLst>
       <p:ext uri="{BB962C8B-B14F-4D97-AF65-F5344CB8AC3E}">
-        <p14:creationId xmlns:p14="http://schemas.microsoft.com/office/powerpoint/2010/main" val="3994001001"/>
+        <p14:creationId xmlns:p14="http://schemas.microsoft.com/office/powerpoint/2010/main" val="214531681"/>
       </p:ext>
     </p:extLst>
   </p:cSld>
@@ -673,7 +673,7 @@
       </p:grpSpPr>
       <p:sp>
         <p:nvSpPr>
-          <p:cNvPr id="2" name="Titre 1"/>
+          <p:cNvPr id="2" name="Title 1"/>
           <p:cNvSpPr>
             <a:spLocks noGrp="1"/>
           </p:cNvSpPr>
@@ -690,13 +690,13 @@
               <a:rPr lang="fr-FR" smtClean="0"/>
               <a:t>Modifiez le style du titre</a:t>
             </a:r>
-            <a:endParaRPr lang="fr-FR"/>
-          </a:p>
-        </p:txBody>
-      </p:sp>
-      <p:sp>
-        <p:nvSpPr>
-          <p:cNvPr id="3" name="Espace réservé du contenu 2"/>
+            <a:endParaRPr lang="en-US" dirty="0"/>
+          </a:p>
+        </p:txBody>
+      </p:sp>
+      <p:sp>
+        <p:nvSpPr>
+          <p:cNvPr id="3" name="Content Placeholder 2"/>
           <p:cNvSpPr>
             <a:spLocks noGrp="1"/>
           </p:cNvSpPr>
@@ -742,13 +742,13 @@
               <a:rPr lang="fr-FR" smtClean="0"/>
               <a:t>Cinquième niveau</a:t>
             </a:r>
-            <a:endParaRPr lang="fr-FR"/>
-          </a:p>
-        </p:txBody>
-      </p:sp>
-      <p:sp>
-        <p:nvSpPr>
-          <p:cNvPr id="4" name="Espace réservé de la date 3"/>
+            <a:endParaRPr lang="en-US" dirty="0"/>
+          </a:p>
+        </p:txBody>
+      </p:sp>
+      <p:sp>
+        <p:nvSpPr>
+          <p:cNvPr id="4" name="Date Placeholder 3"/>
           <p:cNvSpPr>
             <a:spLocks noGrp="1"/>
           </p:cNvSpPr>
@@ -763,7 +763,7 @@
           <a:p>
             <a:fld id="{3FF39126-F987-48DB-9EEF-9CD00B9E823D}" type="datetimeFigureOut">
               <a:rPr lang="fr-FR" smtClean="0"/>
-              <a:t>22/04/2022</a:t>
+              <a:t>12/07/2022</a:t>
             </a:fld>
             <a:endParaRPr lang="fr-FR"/>
           </a:p>
@@ -771,7 +771,7 @@
       </p:sp>
       <p:sp>
         <p:nvSpPr>
-          <p:cNvPr id="5" name="Espace réservé du pied de page 4"/>
+          <p:cNvPr id="5" name="Footer Placeholder 4"/>
           <p:cNvSpPr>
             <a:spLocks noGrp="1"/>
           </p:cNvSpPr>
@@ -790,7 +790,7 @@
       </p:sp>
       <p:sp>
         <p:nvSpPr>
-          <p:cNvPr id="6" name="Espace réservé du numéro de diapositive 5"/>
+          <p:cNvPr id="6" name="Slide Number Placeholder 5"/>
           <p:cNvSpPr>
             <a:spLocks noGrp="1"/>
           </p:cNvSpPr>
@@ -814,7 +814,7 @@
     </p:spTree>
     <p:extLst>
       <p:ext uri="{BB962C8B-B14F-4D97-AF65-F5344CB8AC3E}">
-        <p14:creationId xmlns:p14="http://schemas.microsoft.com/office/powerpoint/2010/main" val="2268250319"/>
+        <p14:creationId xmlns:p14="http://schemas.microsoft.com/office/powerpoint/2010/main" val="3711947038"/>
       </p:ext>
     </p:extLst>
   </p:cSld>
@@ -843,7 +843,7 @@
       </p:grpSpPr>
       <p:sp>
         <p:nvSpPr>
-          <p:cNvPr id="2" name="Titre 1"/>
+          <p:cNvPr id="2" name="Title 1"/>
           <p:cNvSpPr>
             <a:spLocks noGrp="1"/>
           </p:cNvSpPr>
@@ -853,8 +853,8 @@
         </p:nvSpPr>
         <p:spPr>
           <a:xfrm>
-            <a:off x="831850" y="1709738"/>
-            <a:ext cx="10515600" cy="2852737"/>
+            <a:off x="623888" y="1709739"/>
+            <a:ext cx="7886700" cy="2852737"/>
           </a:xfrm>
         </p:spPr>
         <p:txBody>
@@ -869,13 +869,13 @@
               <a:rPr lang="fr-FR" smtClean="0"/>
               <a:t>Modifiez le style du titre</a:t>
             </a:r>
-            <a:endParaRPr lang="fr-FR"/>
-          </a:p>
-        </p:txBody>
-      </p:sp>
-      <p:sp>
-        <p:nvSpPr>
-          <p:cNvPr id="3" name="Espace réservé du texte 2"/>
+            <a:endParaRPr lang="en-US" dirty="0"/>
+          </a:p>
+        </p:txBody>
+      </p:sp>
+      <p:sp>
+        <p:nvSpPr>
+          <p:cNvPr id="3" name="Text Placeholder 2"/>
           <p:cNvSpPr>
             <a:spLocks noGrp="1"/>
           </p:cNvSpPr>
@@ -885,8 +885,8 @@
         </p:nvSpPr>
         <p:spPr>
           <a:xfrm>
-            <a:off x="831850" y="4589463"/>
-            <a:ext cx="10515600" cy="1500187"/>
+            <a:off x="623888" y="4589464"/>
+            <a:ext cx="7886700" cy="1500187"/>
           </a:xfrm>
         </p:spPr>
         <p:txBody>
@@ -896,9 +896,7 @@
               <a:buNone/>
               <a:defRPr sz="2400">
                 <a:solidFill>
-                  <a:schemeClr val="tx1">
-                    <a:tint val="75000"/>
-                  </a:schemeClr>
+                  <a:schemeClr val="tx1"/>
                 </a:solidFill>
               </a:defRPr>
             </a:lvl1pPr>
@@ -994,7 +992,7 @@
       </p:sp>
       <p:sp>
         <p:nvSpPr>
-          <p:cNvPr id="4" name="Espace réservé de la date 3"/>
+          <p:cNvPr id="4" name="Date Placeholder 3"/>
           <p:cNvSpPr>
             <a:spLocks noGrp="1"/>
           </p:cNvSpPr>
@@ -1009,7 +1007,7 @@
           <a:p>
             <a:fld id="{3FF39126-F987-48DB-9EEF-9CD00B9E823D}" type="datetimeFigureOut">
               <a:rPr lang="fr-FR" smtClean="0"/>
-              <a:t>22/04/2022</a:t>
+              <a:t>12/07/2022</a:t>
             </a:fld>
             <a:endParaRPr lang="fr-FR"/>
           </a:p>
@@ -1017,7 +1015,7 @@
       </p:sp>
       <p:sp>
         <p:nvSpPr>
-          <p:cNvPr id="5" name="Espace réservé du pied de page 4"/>
+          <p:cNvPr id="5" name="Footer Placeholder 4"/>
           <p:cNvSpPr>
             <a:spLocks noGrp="1"/>
           </p:cNvSpPr>
@@ -1036,7 +1034,7 @@
       </p:sp>
       <p:sp>
         <p:nvSpPr>
-          <p:cNvPr id="6" name="Espace réservé du numéro de diapositive 5"/>
+          <p:cNvPr id="6" name="Slide Number Placeholder 5"/>
           <p:cNvSpPr>
             <a:spLocks noGrp="1"/>
           </p:cNvSpPr>
@@ -1060,7 +1058,7 @@
     </p:spTree>
     <p:extLst>
       <p:ext uri="{BB962C8B-B14F-4D97-AF65-F5344CB8AC3E}">
-        <p14:creationId xmlns:p14="http://schemas.microsoft.com/office/powerpoint/2010/main" val="3448948734"/>
+        <p14:creationId xmlns:p14="http://schemas.microsoft.com/office/powerpoint/2010/main" val="2749573034"/>
       </p:ext>
     </p:extLst>
   </p:cSld>
@@ -1089,7 +1087,7 @@
       </p:grpSpPr>
       <p:sp>
         <p:nvSpPr>
-          <p:cNvPr id="2" name="Titre 1"/>
+          <p:cNvPr id="2" name="Title 1"/>
           <p:cNvSpPr>
             <a:spLocks noGrp="1"/>
           </p:cNvSpPr>
@@ -1106,13 +1104,13 @@
               <a:rPr lang="fr-FR" smtClean="0"/>
               <a:t>Modifiez le style du titre</a:t>
             </a:r>
-            <a:endParaRPr lang="fr-FR"/>
-          </a:p>
-        </p:txBody>
-      </p:sp>
-      <p:sp>
-        <p:nvSpPr>
-          <p:cNvPr id="3" name="Espace réservé du contenu 2"/>
+            <a:endParaRPr lang="en-US" dirty="0"/>
+          </a:p>
+        </p:txBody>
+      </p:sp>
+      <p:sp>
+        <p:nvSpPr>
+          <p:cNvPr id="3" name="Content Placeholder 2"/>
           <p:cNvSpPr>
             <a:spLocks noGrp="1"/>
           </p:cNvSpPr>
@@ -1122,8 +1120,8 @@
         </p:nvSpPr>
         <p:spPr>
           <a:xfrm>
-            <a:off x="838200" y="1825625"/>
-            <a:ext cx="5181600" cy="4351338"/>
+            <a:off x="628650" y="1825625"/>
+            <a:ext cx="3886200" cy="4351338"/>
           </a:xfrm>
         </p:spPr>
         <p:txBody>
@@ -1163,13 +1161,13 @@
               <a:rPr lang="fr-FR" smtClean="0"/>
               <a:t>Cinquième niveau</a:t>
             </a:r>
-            <a:endParaRPr lang="fr-FR"/>
-          </a:p>
-        </p:txBody>
-      </p:sp>
-      <p:sp>
-        <p:nvSpPr>
-          <p:cNvPr id="4" name="Espace réservé du contenu 3"/>
+            <a:endParaRPr lang="en-US" dirty="0"/>
+          </a:p>
+        </p:txBody>
+      </p:sp>
+      <p:sp>
+        <p:nvSpPr>
+          <p:cNvPr id="4" name="Content Placeholder 3"/>
           <p:cNvSpPr>
             <a:spLocks noGrp="1"/>
           </p:cNvSpPr>
@@ -1179,8 +1177,8 @@
         </p:nvSpPr>
         <p:spPr>
           <a:xfrm>
-            <a:off x="6172200" y="1825625"/>
-            <a:ext cx="5181600" cy="4351338"/>
+            <a:off x="4629150" y="1825625"/>
+            <a:ext cx="3886200" cy="4351338"/>
           </a:xfrm>
         </p:spPr>
         <p:txBody>
@@ -1220,13 +1218,13 @@
               <a:rPr lang="fr-FR" smtClean="0"/>
               <a:t>Cinquième niveau</a:t>
             </a:r>
-            <a:endParaRPr lang="fr-FR"/>
-          </a:p>
-        </p:txBody>
-      </p:sp>
-      <p:sp>
-        <p:nvSpPr>
-          <p:cNvPr id="5" name="Espace réservé de la date 4"/>
+            <a:endParaRPr lang="en-US" dirty="0"/>
+          </a:p>
+        </p:txBody>
+      </p:sp>
+      <p:sp>
+        <p:nvSpPr>
+          <p:cNvPr id="5" name="Date Placeholder 4"/>
           <p:cNvSpPr>
             <a:spLocks noGrp="1"/>
           </p:cNvSpPr>
@@ -1241,7 +1239,7 @@
           <a:p>
             <a:fld id="{3FF39126-F987-48DB-9EEF-9CD00B9E823D}" type="datetimeFigureOut">
               <a:rPr lang="fr-FR" smtClean="0"/>
-              <a:t>22/04/2022</a:t>
+              <a:t>12/07/2022</a:t>
             </a:fld>
             <a:endParaRPr lang="fr-FR"/>
           </a:p>
@@ -1249,7 +1247,7 @@
       </p:sp>
       <p:sp>
         <p:nvSpPr>
-          <p:cNvPr id="6" name="Espace réservé du pied de page 5"/>
+          <p:cNvPr id="6" name="Footer Placeholder 5"/>
           <p:cNvSpPr>
             <a:spLocks noGrp="1"/>
           </p:cNvSpPr>
@@ -1268,7 +1266,7 @@
       </p:sp>
       <p:sp>
         <p:nvSpPr>
-          <p:cNvPr id="7" name="Espace réservé du numéro de diapositive 6"/>
+          <p:cNvPr id="7" name="Slide Number Placeholder 6"/>
           <p:cNvSpPr>
             <a:spLocks noGrp="1"/>
           </p:cNvSpPr>
@@ -1292,7 +1290,7 @@
     </p:spTree>
     <p:extLst>
       <p:ext uri="{BB962C8B-B14F-4D97-AF65-F5344CB8AC3E}">
-        <p14:creationId xmlns:p14="http://schemas.microsoft.com/office/powerpoint/2010/main" val="664098403"/>
+        <p14:creationId xmlns:p14="http://schemas.microsoft.com/office/powerpoint/2010/main" val="3488864544"/>
       </p:ext>
     </p:extLst>
   </p:cSld>
@@ -1321,7 +1319,7 @@
       </p:grpSpPr>
       <p:sp>
         <p:nvSpPr>
-          <p:cNvPr id="2" name="Titre 1"/>
+          <p:cNvPr id="2" name="Title 1"/>
           <p:cNvSpPr>
             <a:spLocks noGrp="1"/>
           </p:cNvSpPr>
@@ -1331,8 +1329,8 @@
         </p:nvSpPr>
         <p:spPr>
           <a:xfrm>
-            <a:off x="839788" y="365125"/>
-            <a:ext cx="10515600" cy="1325563"/>
+            <a:off x="629841" y="365126"/>
+            <a:ext cx="7886700" cy="1325563"/>
           </a:xfrm>
         </p:spPr>
         <p:txBody>
@@ -1343,13 +1341,13 @@
               <a:rPr lang="fr-FR" smtClean="0"/>
               <a:t>Modifiez le style du titre</a:t>
             </a:r>
-            <a:endParaRPr lang="fr-FR"/>
-          </a:p>
-        </p:txBody>
-      </p:sp>
-      <p:sp>
-        <p:nvSpPr>
-          <p:cNvPr id="3" name="Espace réservé du texte 2"/>
+            <a:endParaRPr lang="en-US" dirty="0"/>
+          </a:p>
+        </p:txBody>
+      </p:sp>
+      <p:sp>
+        <p:nvSpPr>
+          <p:cNvPr id="3" name="Text Placeholder 2"/>
           <p:cNvSpPr>
             <a:spLocks noGrp="1"/>
           </p:cNvSpPr>
@@ -1359,8 +1357,8 @@
         </p:nvSpPr>
         <p:spPr>
           <a:xfrm>
-            <a:off x="839788" y="1681163"/>
-            <a:ext cx="5157787" cy="823912"/>
+            <a:off x="629842" y="1681163"/>
+            <a:ext cx="3868340" cy="823912"/>
           </a:xfrm>
         </p:spPr>
         <p:txBody>
@@ -1414,7 +1412,7 @@
       </p:sp>
       <p:sp>
         <p:nvSpPr>
-          <p:cNvPr id="4" name="Espace réservé du contenu 3"/>
+          <p:cNvPr id="4" name="Content Placeholder 3"/>
           <p:cNvSpPr>
             <a:spLocks noGrp="1"/>
           </p:cNvSpPr>
@@ -1424,8 +1422,8 @@
         </p:nvSpPr>
         <p:spPr>
           <a:xfrm>
-            <a:off x="839788" y="2505075"/>
-            <a:ext cx="5157787" cy="3684588"/>
+            <a:off x="629842" y="2505075"/>
+            <a:ext cx="3868340" cy="3684588"/>
           </a:xfrm>
         </p:spPr>
         <p:txBody>
@@ -1465,13 +1463,13 @@
               <a:rPr lang="fr-FR" smtClean="0"/>
               <a:t>Cinquième niveau</a:t>
             </a:r>
-            <a:endParaRPr lang="fr-FR"/>
-          </a:p>
-        </p:txBody>
-      </p:sp>
-      <p:sp>
-        <p:nvSpPr>
-          <p:cNvPr id="5" name="Espace réservé du texte 4"/>
+            <a:endParaRPr lang="en-US" dirty="0"/>
+          </a:p>
+        </p:txBody>
+      </p:sp>
+      <p:sp>
+        <p:nvSpPr>
+          <p:cNvPr id="5" name="Text Placeholder 4"/>
           <p:cNvSpPr>
             <a:spLocks noGrp="1"/>
           </p:cNvSpPr>
@@ -1481,8 +1479,8 @@
         </p:nvSpPr>
         <p:spPr>
           <a:xfrm>
-            <a:off x="6172200" y="1681163"/>
-            <a:ext cx="5183188" cy="823912"/>
+            <a:off x="4629150" y="1681163"/>
+            <a:ext cx="3887391" cy="823912"/>
           </a:xfrm>
         </p:spPr>
         <p:txBody>
@@ -1536,7 +1534,7 @@
       </p:sp>
       <p:sp>
         <p:nvSpPr>
-          <p:cNvPr id="6" name="Espace réservé du contenu 5"/>
+          <p:cNvPr id="6" name="Content Placeholder 5"/>
           <p:cNvSpPr>
             <a:spLocks noGrp="1"/>
           </p:cNvSpPr>
@@ -1546,8 +1544,8 @@
         </p:nvSpPr>
         <p:spPr>
           <a:xfrm>
-            <a:off x="6172200" y="2505075"/>
-            <a:ext cx="5183188" cy="3684588"/>
+            <a:off x="4629150" y="2505075"/>
+            <a:ext cx="3887391" cy="3684588"/>
           </a:xfrm>
         </p:spPr>
         <p:txBody>
@@ -1587,13 +1585,13 @@
               <a:rPr lang="fr-FR" smtClean="0"/>
               <a:t>Cinquième niveau</a:t>
             </a:r>
-            <a:endParaRPr lang="fr-FR"/>
-          </a:p>
-        </p:txBody>
-      </p:sp>
-      <p:sp>
-        <p:nvSpPr>
-          <p:cNvPr id="7" name="Espace réservé de la date 6"/>
+            <a:endParaRPr lang="en-US" dirty="0"/>
+          </a:p>
+        </p:txBody>
+      </p:sp>
+      <p:sp>
+        <p:nvSpPr>
+          <p:cNvPr id="7" name="Date Placeholder 6"/>
           <p:cNvSpPr>
             <a:spLocks noGrp="1"/>
           </p:cNvSpPr>
@@ -1608,7 +1606,7 @@
           <a:p>
             <a:fld id="{3FF39126-F987-48DB-9EEF-9CD00B9E823D}" type="datetimeFigureOut">
               <a:rPr lang="fr-FR" smtClean="0"/>
-              <a:t>22/04/2022</a:t>
+              <a:t>12/07/2022</a:t>
             </a:fld>
             <a:endParaRPr lang="fr-FR"/>
           </a:p>
@@ -1616,7 +1614,7 @@
       </p:sp>
       <p:sp>
         <p:nvSpPr>
-          <p:cNvPr id="8" name="Espace réservé du pied de page 7"/>
+          <p:cNvPr id="8" name="Footer Placeholder 7"/>
           <p:cNvSpPr>
             <a:spLocks noGrp="1"/>
           </p:cNvSpPr>
@@ -1635,7 +1633,7 @@
       </p:sp>
       <p:sp>
         <p:nvSpPr>
-          <p:cNvPr id="9" name="Espace réservé du numéro de diapositive 8"/>
+          <p:cNvPr id="9" name="Slide Number Placeholder 8"/>
           <p:cNvSpPr>
             <a:spLocks noGrp="1"/>
           </p:cNvSpPr>
@@ -1659,7 +1657,7 @@
     </p:spTree>
     <p:extLst>
       <p:ext uri="{BB962C8B-B14F-4D97-AF65-F5344CB8AC3E}">
-        <p14:creationId xmlns:p14="http://schemas.microsoft.com/office/powerpoint/2010/main" val="2946733638"/>
+        <p14:creationId xmlns:p14="http://schemas.microsoft.com/office/powerpoint/2010/main" val="918431808"/>
       </p:ext>
     </p:extLst>
   </p:cSld>
@@ -1688,7 +1686,7 @@
       </p:grpSpPr>
       <p:sp>
         <p:nvSpPr>
-          <p:cNvPr id="2" name="Titre 1"/>
+          <p:cNvPr id="2" name="Title 1"/>
           <p:cNvSpPr>
             <a:spLocks noGrp="1"/>
           </p:cNvSpPr>
@@ -1705,13 +1703,13 @@
               <a:rPr lang="fr-FR" smtClean="0"/>
               <a:t>Modifiez le style du titre</a:t>
             </a:r>
-            <a:endParaRPr lang="fr-FR"/>
-          </a:p>
-        </p:txBody>
-      </p:sp>
-      <p:sp>
-        <p:nvSpPr>
-          <p:cNvPr id="3" name="Espace réservé de la date 2"/>
+            <a:endParaRPr lang="en-US" dirty="0"/>
+          </a:p>
+        </p:txBody>
+      </p:sp>
+      <p:sp>
+        <p:nvSpPr>
+          <p:cNvPr id="3" name="Date Placeholder 2"/>
           <p:cNvSpPr>
             <a:spLocks noGrp="1"/>
           </p:cNvSpPr>
@@ -1726,7 +1724,7 @@
           <a:p>
             <a:fld id="{3FF39126-F987-48DB-9EEF-9CD00B9E823D}" type="datetimeFigureOut">
               <a:rPr lang="fr-FR" smtClean="0"/>
-              <a:t>22/04/2022</a:t>
+              <a:t>12/07/2022</a:t>
             </a:fld>
             <a:endParaRPr lang="fr-FR"/>
           </a:p>
@@ -1734,7 +1732,7 @@
       </p:sp>
       <p:sp>
         <p:nvSpPr>
-          <p:cNvPr id="4" name="Espace réservé du pied de page 3"/>
+          <p:cNvPr id="4" name="Footer Placeholder 3"/>
           <p:cNvSpPr>
             <a:spLocks noGrp="1"/>
           </p:cNvSpPr>
@@ -1753,7 +1751,7 @@
       </p:sp>
       <p:sp>
         <p:nvSpPr>
-          <p:cNvPr id="5" name="Espace réservé du numéro de diapositive 4"/>
+          <p:cNvPr id="5" name="Slide Number Placeholder 4"/>
           <p:cNvSpPr>
             <a:spLocks noGrp="1"/>
           </p:cNvSpPr>
@@ -1777,7 +1775,7 @@
     </p:spTree>
     <p:extLst>
       <p:ext uri="{BB962C8B-B14F-4D97-AF65-F5344CB8AC3E}">
-        <p14:creationId xmlns:p14="http://schemas.microsoft.com/office/powerpoint/2010/main" val="3730597318"/>
+        <p14:creationId xmlns:p14="http://schemas.microsoft.com/office/powerpoint/2010/main" val="2511655755"/>
       </p:ext>
     </p:extLst>
   </p:cSld>
@@ -1806,7 +1804,7 @@
       </p:grpSpPr>
       <p:sp>
         <p:nvSpPr>
-          <p:cNvPr id="2" name="Espace réservé de la date 1"/>
+          <p:cNvPr id="2" name="Date Placeholder 1"/>
           <p:cNvSpPr>
             <a:spLocks noGrp="1"/>
           </p:cNvSpPr>
@@ -1821,7 +1819,7 @@
           <a:p>
             <a:fld id="{3FF39126-F987-48DB-9EEF-9CD00B9E823D}" type="datetimeFigureOut">
               <a:rPr lang="fr-FR" smtClean="0"/>
-              <a:t>22/04/2022</a:t>
+              <a:t>12/07/2022</a:t>
             </a:fld>
             <a:endParaRPr lang="fr-FR"/>
           </a:p>
@@ -1829,7 +1827,7 @@
       </p:sp>
       <p:sp>
         <p:nvSpPr>
-          <p:cNvPr id="3" name="Espace réservé du pied de page 2"/>
+          <p:cNvPr id="3" name="Footer Placeholder 2"/>
           <p:cNvSpPr>
             <a:spLocks noGrp="1"/>
           </p:cNvSpPr>
@@ -1848,7 +1846,7 @@
       </p:sp>
       <p:sp>
         <p:nvSpPr>
-          <p:cNvPr id="4" name="Espace réservé du numéro de diapositive 3"/>
+          <p:cNvPr id="4" name="Slide Number Placeholder 3"/>
           <p:cNvSpPr>
             <a:spLocks noGrp="1"/>
           </p:cNvSpPr>
@@ -1872,7 +1870,7 @@
     </p:spTree>
     <p:extLst>
       <p:ext uri="{BB962C8B-B14F-4D97-AF65-F5344CB8AC3E}">
-        <p14:creationId xmlns:p14="http://schemas.microsoft.com/office/powerpoint/2010/main" val="3504074022"/>
+        <p14:creationId xmlns:p14="http://schemas.microsoft.com/office/powerpoint/2010/main" val="3330460115"/>
       </p:ext>
     </p:extLst>
   </p:cSld>
@@ -1901,7 +1899,7 @@
       </p:grpSpPr>
       <p:sp>
         <p:nvSpPr>
-          <p:cNvPr id="2" name="Titre 1"/>
+          <p:cNvPr id="2" name="Title 1"/>
           <p:cNvSpPr>
             <a:spLocks noGrp="1"/>
           </p:cNvSpPr>
@@ -1911,8 +1909,8 @@
         </p:nvSpPr>
         <p:spPr>
           <a:xfrm>
-            <a:off x="839788" y="457200"/>
-            <a:ext cx="3932237" cy="1600200"/>
+            <a:off x="629841" y="457200"/>
+            <a:ext cx="2949178" cy="1600200"/>
           </a:xfrm>
         </p:spPr>
         <p:txBody>
@@ -1927,13 +1925,13 @@
               <a:rPr lang="fr-FR" smtClean="0"/>
               <a:t>Modifiez le style du titre</a:t>
             </a:r>
-            <a:endParaRPr lang="fr-FR"/>
-          </a:p>
-        </p:txBody>
-      </p:sp>
-      <p:sp>
-        <p:nvSpPr>
-          <p:cNvPr id="3" name="Espace réservé du contenu 2"/>
+            <a:endParaRPr lang="en-US" dirty="0"/>
+          </a:p>
+        </p:txBody>
+      </p:sp>
+      <p:sp>
+        <p:nvSpPr>
+          <p:cNvPr id="3" name="Content Placeholder 2"/>
           <p:cNvSpPr>
             <a:spLocks noGrp="1"/>
           </p:cNvSpPr>
@@ -1943,8 +1941,8 @@
         </p:nvSpPr>
         <p:spPr>
           <a:xfrm>
-            <a:off x="5183188" y="987425"/>
-            <a:ext cx="6172200" cy="4873625"/>
+            <a:off x="3887391" y="987426"/>
+            <a:ext cx="4629150" cy="4873625"/>
           </a:xfrm>
         </p:spPr>
         <p:txBody>
@@ -2012,13 +2010,13 @@
               <a:rPr lang="fr-FR" smtClean="0"/>
               <a:t>Cinquième niveau</a:t>
             </a:r>
-            <a:endParaRPr lang="fr-FR"/>
-          </a:p>
-        </p:txBody>
-      </p:sp>
-      <p:sp>
-        <p:nvSpPr>
-          <p:cNvPr id="4" name="Espace réservé du texte 3"/>
+            <a:endParaRPr lang="en-US" dirty="0"/>
+          </a:p>
+        </p:txBody>
+      </p:sp>
+      <p:sp>
+        <p:nvSpPr>
+          <p:cNvPr id="4" name="Text Placeholder 3"/>
           <p:cNvSpPr>
             <a:spLocks noGrp="1"/>
           </p:cNvSpPr>
@@ -2028,8 +2026,8 @@
         </p:nvSpPr>
         <p:spPr>
           <a:xfrm>
-            <a:off x="839788" y="2057400"/>
-            <a:ext cx="3932237" cy="3811588"/>
+            <a:off x="629841" y="2057400"/>
+            <a:ext cx="2949178" cy="3811588"/>
           </a:xfrm>
         </p:spPr>
         <p:txBody>
@@ -2083,7 +2081,7 @@
       </p:sp>
       <p:sp>
         <p:nvSpPr>
-          <p:cNvPr id="5" name="Espace réservé de la date 4"/>
+          <p:cNvPr id="5" name="Date Placeholder 4"/>
           <p:cNvSpPr>
             <a:spLocks noGrp="1"/>
           </p:cNvSpPr>
@@ -2098,7 +2096,7 @@
           <a:p>
             <a:fld id="{3FF39126-F987-48DB-9EEF-9CD00B9E823D}" type="datetimeFigureOut">
               <a:rPr lang="fr-FR" smtClean="0"/>
-              <a:t>22/04/2022</a:t>
+              <a:t>12/07/2022</a:t>
             </a:fld>
             <a:endParaRPr lang="fr-FR"/>
           </a:p>
@@ -2106,7 +2104,7 @@
       </p:sp>
       <p:sp>
         <p:nvSpPr>
-          <p:cNvPr id="6" name="Espace réservé du pied de page 5"/>
+          <p:cNvPr id="6" name="Footer Placeholder 5"/>
           <p:cNvSpPr>
             <a:spLocks noGrp="1"/>
           </p:cNvSpPr>
@@ -2125,7 +2123,7 @@
       </p:sp>
       <p:sp>
         <p:nvSpPr>
-          <p:cNvPr id="7" name="Espace réservé du numéro de diapositive 6"/>
+          <p:cNvPr id="7" name="Slide Number Placeholder 6"/>
           <p:cNvSpPr>
             <a:spLocks noGrp="1"/>
           </p:cNvSpPr>
@@ -2149,7 +2147,7 @@
     </p:spTree>
     <p:extLst>
       <p:ext uri="{BB962C8B-B14F-4D97-AF65-F5344CB8AC3E}">
-        <p14:creationId xmlns:p14="http://schemas.microsoft.com/office/powerpoint/2010/main" val="644706181"/>
+        <p14:creationId xmlns:p14="http://schemas.microsoft.com/office/powerpoint/2010/main" val="1311717686"/>
       </p:ext>
     </p:extLst>
   </p:cSld>
@@ -2178,7 +2176,7 @@
       </p:grpSpPr>
       <p:sp>
         <p:nvSpPr>
-          <p:cNvPr id="2" name="Titre 1"/>
+          <p:cNvPr id="2" name="Title 1"/>
           <p:cNvSpPr>
             <a:spLocks noGrp="1"/>
           </p:cNvSpPr>
@@ -2188,8 +2186,8 @@
         </p:nvSpPr>
         <p:spPr>
           <a:xfrm>
-            <a:off x="839788" y="457200"/>
-            <a:ext cx="3932237" cy="1600200"/>
+            <a:off x="629841" y="457200"/>
+            <a:ext cx="2949178" cy="1600200"/>
           </a:xfrm>
         </p:spPr>
         <p:txBody>
@@ -2204,15 +2202,15 @@
               <a:rPr lang="fr-FR" smtClean="0"/>
               <a:t>Modifiez le style du titre</a:t>
             </a:r>
-            <a:endParaRPr lang="fr-FR"/>
-          </a:p>
-        </p:txBody>
-      </p:sp>
-      <p:sp>
-        <p:nvSpPr>
-          <p:cNvPr id="3" name="Espace réservé pour une image  2"/>
-          <p:cNvSpPr>
-            <a:spLocks noGrp="1"/>
+            <a:endParaRPr lang="en-US" dirty="0"/>
+          </a:p>
+        </p:txBody>
+      </p:sp>
+      <p:sp>
+        <p:nvSpPr>
+          <p:cNvPr id="3" name="Picture Placeholder 2"/>
+          <p:cNvSpPr>
+            <a:spLocks noGrp="1" noChangeAspect="1"/>
           </p:cNvSpPr>
           <p:nvPr>
             <p:ph type="pic" idx="1"/>
@@ -2220,12 +2218,12 @@
         </p:nvSpPr>
         <p:spPr>
           <a:xfrm>
-            <a:off x="5183188" y="987425"/>
-            <a:ext cx="6172200" cy="4873625"/>
+            <a:off x="3887391" y="987426"/>
+            <a:ext cx="4629150" cy="4873625"/>
           </a:xfrm>
         </p:spPr>
         <p:txBody>
-          <a:bodyPr/>
+          <a:bodyPr anchor="t"/>
           <a:lstStyle>
             <a:lvl1pPr marL="0" indent="0">
               <a:buNone/>
@@ -2265,13 +2263,17 @@
             </a:lvl9pPr>
           </a:lstStyle>
           <a:p>
-            <a:endParaRPr lang="fr-FR"/>
-          </a:p>
-        </p:txBody>
-      </p:sp>
-      <p:sp>
-        <p:nvSpPr>
-          <p:cNvPr id="4" name="Espace réservé du texte 3"/>
+            <a:r>
+              <a:rPr lang="fr-FR" smtClean="0"/>
+              <a:t>Cliquez sur l'icône pour ajouter une image</a:t>
+            </a:r>
+            <a:endParaRPr lang="en-US" dirty="0"/>
+          </a:p>
+        </p:txBody>
+      </p:sp>
+      <p:sp>
+        <p:nvSpPr>
+          <p:cNvPr id="4" name="Text Placeholder 3"/>
           <p:cNvSpPr>
             <a:spLocks noGrp="1"/>
           </p:cNvSpPr>
@@ -2281,8 +2283,8 @@
         </p:nvSpPr>
         <p:spPr>
           <a:xfrm>
-            <a:off x="839788" y="2057400"/>
-            <a:ext cx="3932237" cy="3811588"/>
+            <a:off x="629841" y="2057400"/>
+            <a:ext cx="2949178" cy="3811588"/>
           </a:xfrm>
         </p:spPr>
         <p:txBody>
@@ -2336,7 +2338,7 @@
       </p:sp>
       <p:sp>
         <p:nvSpPr>
-          <p:cNvPr id="5" name="Espace réservé de la date 4"/>
+          <p:cNvPr id="5" name="Date Placeholder 4"/>
           <p:cNvSpPr>
             <a:spLocks noGrp="1"/>
           </p:cNvSpPr>
@@ -2351,7 +2353,7 @@
           <a:p>
             <a:fld id="{3FF39126-F987-48DB-9EEF-9CD00B9E823D}" type="datetimeFigureOut">
               <a:rPr lang="fr-FR" smtClean="0"/>
-              <a:t>22/04/2022</a:t>
+              <a:t>12/07/2022</a:t>
             </a:fld>
             <a:endParaRPr lang="fr-FR"/>
           </a:p>
@@ -2359,7 +2361,7 @@
       </p:sp>
       <p:sp>
         <p:nvSpPr>
-          <p:cNvPr id="6" name="Espace réservé du pied de page 5"/>
+          <p:cNvPr id="6" name="Footer Placeholder 5"/>
           <p:cNvSpPr>
             <a:spLocks noGrp="1"/>
           </p:cNvSpPr>
@@ -2378,7 +2380,7 @@
       </p:sp>
       <p:sp>
         <p:nvSpPr>
-          <p:cNvPr id="7" name="Espace réservé du numéro de diapositive 6"/>
+          <p:cNvPr id="7" name="Slide Number Placeholder 6"/>
           <p:cNvSpPr>
             <a:spLocks noGrp="1"/>
           </p:cNvSpPr>
@@ -2402,7 +2404,7 @@
     </p:spTree>
     <p:extLst>
       <p:ext uri="{BB962C8B-B14F-4D97-AF65-F5344CB8AC3E}">
-        <p14:creationId xmlns:p14="http://schemas.microsoft.com/office/powerpoint/2010/main" val="3395578063"/>
+        <p14:creationId xmlns:p14="http://schemas.microsoft.com/office/powerpoint/2010/main" val="124703093"/>
       </p:ext>
     </p:extLst>
   </p:cSld>
@@ -2436,7 +2438,7 @@
       </p:grpSpPr>
       <p:sp>
         <p:nvSpPr>
-          <p:cNvPr id="2" name="Espace réservé du titre 1"/>
+          <p:cNvPr id="2" name="Title Placeholder 1"/>
           <p:cNvSpPr>
             <a:spLocks noGrp="1"/>
           </p:cNvSpPr>
@@ -2446,8 +2448,8 @@
         </p:nvSpPr>
         <p:spPr>
           <a:xfrm>
-            <a:off x="838200" y="365125"/>
-            <a:ext cx="10515600" cy="1325563"/>
+            <a:off x="628650" y="365126"/>
+            <a:ext cx="7886700" cy="1325563"/>
           </a:xfrm>
           <a:prstGeom prst="rect">
             <a:avLst/>
@@ -2463,13 +2465,13 @@
               <a:rPr lang="fr-FR" smtClean="0"/>
               <a:t>Modifiez le style du titre</a:t>
             </a:r>
-            <a:endParaRPr lang="fr-FR"/>
-          </a:p>
-        </p:txBody>
-      </p:sp>
-      <p:sp>
-        <p:nvSpPr>
-          <p:cNvPr id="3" name="Espace réservé du texte 2"/>
+            <a:endParaRPr lang="en-US" dirty="0"/>
+          </a:p>
+        </p:txBody>
+      </p:sp>
+      <p:sp>
+        <p:nvSpPr>
+          <p:cNvPr id="3" name="Text Placeholder 2"/>
           <p:cNvSpPr>
             <a:spLocks noGrp="1"/>
           </p:cNvSpPr>
@@ -2479,8 +2481,8 @@
         </p:nvSpPr>
         <p:spPr>
           <a:xfrm>
-            <a:off x="838200" y="1825625"/>
-            <a:ext cx="10515600" cy="4351338"/>
+            <a:off x="628650" y="1825625"/>
+            <a:ext cx="7886700" cy="4351338"/>
           </a:xfrm>
           <a:prstGeom prst="rect">
             <a:avLst/>
@@ -2525,13 +2527,13 @@
               <a:rPr lang="fr-FR" smtClean="0"/>
               <a:t>Cinquième niveau</a:t>
             </a:r>
-            <a:endParaRPr lang="fr-FR"/>
-          </a:p>
-        </p:txBody>
-      </p:sp>
-      <p:sp>
-        <p:nvSpPr>
-          <p:cNvPr id="4" name="Espace réservé de la date 3"/>
+            <a:endParaRPr lang="en-US" dirty="0"/>
+          </a:p>
+        </p:txBody>
+      </p:sp>
+      <p:sp>
+        <p:nvSpPr>
+          <p:cNvPr id="4" name="Date Placeholder 3"/>
           <p:cNvSpPr>
             <a:spLocks noGrp="1"/>
           </p:cNvSpPr>
@@ -2541,8 +2543,8 @@
         </p:nvSpPr>
         <p:spPr>
           <a:xfrm>
-            <a:off x="838200" y="6356350"/>
-            <a:ext cx="2743200" cy="365125"/>
+            <a:off x="628650" y="6356351"/>
+            <a:ext cx="2057400" cy="365125"/>
           </a:xfrm>
           <a:prstGeom prst="rect">
             <a:avLst/>
@@ -2564,7 +2566,7 @@
           <a:p>
             <a:fld id="{3FF39126-F987-48DB-9EEF-9CD00B9E823D}" type="datetimeFigureOut">
               <a:rPr lang="fr-FR" smtClean="0"/>
-              <a:t>22/04/2022</a:t>
+              <a:t>12/07/2022</a:t>
             </a:fld>
             <a:endParaRPr lang="fr-FR"/>
           </a:p>
@@ -2572,7 +2574,7 @@
       </p:sp>
       <p:sp>
         <p:nvSpPr>
-          <p:cNvPr id="5" name="Espace réservé du pied de page 4"/>
+          <p:cNvPr id="5" name="Footer Placeholder 4"/>
           <p:cNvSpPr>
             <a:spLocks noGrp="1"/>
           </p:cNvSpPr>
@@ -2582,8 +2584,8 @@
         </p:nvSpPr>
         <p:spPr>
           <a:xfrm>
-            <a:off x="4038600" y="6356350"/>
-            <a:ext cx="4114800" cy="365125"/>
+            <a:off x="3028950" y="6356351"/>
+            <a:ext cx="3086100" cy="365125"/>
           </a:xfrm>
           <a:prstGeom prst="rect">
             <a:avLst/>
@@ -2609,7 +2611,7 @@
       </p:sp>
       <p:sp>
         <p:nvSpPr>
-          <p:cNvPr id="6" name="Espace réservé du numéro de diapositive 5"/>
+          <p:cNvPr id="6" name="Slide Number Placeholder 5"/>
           <p:cNvSpPr>
             <a:spLocks noGrp="1"/>
           </p:cNvSpPr>
@@ -2619,8 +2621,8 @@
         </p:nvSpPr>
         <p:spPr>
           <a:xfrm>
-            <a:off x="8610600" y="6356350"/>
-            <a:ext cx="2743200" cy="365125"/>
+            <a:off x="6457950" y="6356351"/>
+            <a:ext cx="2057400" cy="365125"/>
           </a:xfrm>
           <a:prstGeom prst="rect">
             <a:avLst/>
@@ -2651,23 +2653,23 @@
     </p:spTree>
     <p:extLst>
       <p:ext uri="{BB962C8B-B14F-4D97-AF65-F5344CB8AC3E}">
-        <p14:creationId xmlns:p14="http://schemas.microsoft.com/office/powerpoint/2010/main" val="3121467790"/>
+        <p14:creationId xmlns:p14="http://schemas.microsoft.com/office/powerpoint/2010/main" val="261788040"/>
       </p:ext>
     </p:extLst>
   </p:cSld>
   <p:clrMap bg1="lt1" tx1="dk1" bg2="lt2" tx2="dk2" accent1="accent1" accent2="accent2" accent3="accent3" accent4="accent4" accent5="accent5" accent6="accent6" hlink="hlink" folHlink="folHlink"/>
   <p:sldLayoutIdLst>
-    <p:sldLayoutId id="2147483649" r:id="rId1"/>
-    <p:sldLayoutId id="2147483650" r:id="rId2"/>
-    <p:sldLayoutId id="2147483651" r:id="rId3"/>
-    <p:sldLayoutId id="2147483652" r:id="rId4"/>
-    <p:sldLayoutId id="2147483653" r:id="rId5"/>
-    <p:sldLayoutId id="2147483654" r:id="rId6"/>
-    <p:sldLayoutId id="2147483655" r:id="rId7"/>
-    <p:sldLayoutId id="2147483656" r:id="rId8"/>
-    <p:sldLayoutId id="2147483657" r:id="rId9"/>
-    <p:sldLayoutId id="2147483658" r:id="rId10"/>
-    <p:sldLayoutId id="2147483659" r:id="rId11"/>
+    <p:sldLayoutId id="2147483661" r:id="rId1"/>
+    <p:sldLayoutId id="2147483662" r:id="rId2"/>
+    <p:sldLayoutId id="2147483663" r:id="rId3"/>
+    <p:sldLayoutId id="2147483664" r:id="rId4"/>
+    <p:sldLayoutId id="2147483665" r:id="rId5"/>
+    <p:sldLayoutId id="2147483666" r:id="rId6"/>
+    <p:sldLayoutId id="2147483667" r:id="rId7"/>
+    <p:sldLayoutId id="2147483668" r:id="rId8"/>
+    <p:sldLayoutId id="2147483669" r:id="rId9"/>
+    <p:sldLayoutId id="2147483670" r:id="rId10"/>
+    <p:sldLayoutId id="2147483671" r:id="rId11"/>
   </p:sldLayoutIdLst>
   <p:txStyles>
     <p:titleStyle>
@@ -2855,7 +2857,7 @@
     </p:bodyStyle>
     <p:otherStyle>
       <a:defPPr>
-        <a:defRPr lang="fr-FR"/>
+        <a:defRPr lang="en-US"/>
       </a:defPPr>
       <a:lvl1pPr marL="0" algn="l" defTabSz="914400" rtl="0" eaLnBrk="1" latinLnBrk="0" hangingPunct="1">
         <a:defRPr sz="1800" kern="1200">
@@ -2971,48 +2973,18 @@
       </p:grpSpPr>
       <p:grpSp>
         <p:nvGrpSpPr>
-          <p:cNvPr id="3" name="Groupe 2"/>
+          <p:cNvPr id="10" name="Groupe 9"/>
           <p:cNvGrpSpPr/>
           <p:nvPr/>
         </p:nvGrpSpPr>
         <p:grpSpPr>
           <a:xfrm>
-            <a:off x="853382" y="200694"/>
-            <a:ext cx="10058400" cy="6466114"/>
-            <a:chOff x="853382" y="225632"/>
-            <a:chExt cx="10058400" cy="6466114"/>
+            <a:off x="493886" y="0"/>
+            <a:ext cx="7677657" cy="8002736"/>
+            <a:chOff x="493886" y="0"/>
+            <a:chExt cx="7677657" cy="8002736"/>
           </a:xfrm>
         </p:grpSpPr>
-        <p:pic>
-          <p:nvPicPr>
-            <p:cNvPr id="2" name="Image 1"/>
-            <p:cNvPicPr>
-              <a:picLocks noChangeAspect="1"/>
-            </p:cNvPicPr>
-            <p:nvPr/>
-          </p:nvPicPr>
-          <p:blipFill>
-            <a:blip r:embed="rId2" cstate="print">
-              <a:extLst>
-                <a:ext uri="{28A0092B-C50C-407E-A947-70E740481C1C}">
-                  <a14:useLocalDpi xmlns:a14="http://schemas.microsoft.com/office/drawing/2010/main" val="0"/>
-                </a:ext>
-              </a:extLst>
-            </a:blip>
-            <a:stretch>
-              <a:fillRect/>
-            </a:stretch>
-          </p:blipFill>
-          <p:spPr>
-            <a:xfrm>
-              <a:off x="853382" y="225632"/>
-              <a:ext cx="10058400" cy="6466114"/>
-            </a:xfrm>
-            <a:prstGeom prst="rect">
-              <a:avLst/>
-            </a:prstGeom>
-          </p:spPr>
-        </p:pic>
         <p:grpSp>
           <p:nvGrpSpPr>
             <p:cNvPr id="74" name="Groupe 73"/>
@@ -3021,10 +2993,10 @@
           </p:nvGrpSpPr>
           <p:grpSpPr>
             <a:xfrm>
-              <a:off x="6982690" y="3865418"/>
-              <a:ext cx="3205885" cy="2348270"/>
-              <a:chOff x="2762251" y="1278211"/>
-              <a:chExt cx="5965659" cy="4082908"/>
+              <a:off x="4945634" y="214181"/>
+              <a:ext cx="3225909" cy="2253248"/>
+              <a:chOff x="2762251" y="1298747"/>
+              <a:chExt cx="5965659" cy="4049424"/>
             </a:xfrm>
           </p:grpSpPr>
           <p:grpSp>
@@ -3099,7 +3071,7 @@
                   <a:lstStyle/>
                   <a:p>
                     <a:pPr algn="ctr"/>
-                    <a:endParaRPr lang="fr-FR" sz="800"/>
+                    <a:endParaRPr lang="fr-FR" sz="700"/>
                   </a:p>
                 </p:txBody>
               </p:sp>
@@ -3147,7 +3119,7 @@
                   <a:lstStyle/>
                   <a:p>
                     <a:pPr algn="ctr"/>
-                    <a:endParaRPr lang="fr-FR" sz="800"/>
+                    <a:endParaRPr lang="fr-FR" sz="700"/>
                   </a:p>
                 </p:txBody>
               </p:sp>
@@ -3196,7 +3168,7 @@
                   <a:lstStyle/>
                   <a:p>
                     <a:pPr algn="ctr"/>
-                    <a:endParaRPr lang="fr-FR" sz="800"/>
+                    <a:endParaRPr lang="fr-FR" sz="700"/>
                   </a:p>
                 </p:txBody>
               </p:sp>
@@ -3337,7 +3309,7 @@
                 <a:lstStyle/>
                 <a:p>
                   <a:pPr algn="ctr"/>
-                  <a:endParaRPr lang="fr-FR" sz="800"/>
+                  <a:endParaRPr lang="fr-FR" sz="700"/>
                 </a:p>
               </p:txBody>
             </p:sp>
@@ -3468,7 +3440,7 @@
                 <a:lstStyle/>
                 <a:p>
                   <a:pPr algn="ctr"/>
-                  <a:endParaRPr lang="fr-FR" sz="800"/>
+                  <a:endParaRPr lang="fr-FR" sz="700"/>
                 </a:p>
               </p:txBody>
             </p:sp>
@@ -3607,7 +3579,7 @@
                 <a:lstStyle/>
                 <a:p>
                   <a:pPr algn="ctr"/>
-                  <a:endParaRPr lang="fr-FR" sz="800"/>
+                  <a:endParaRPr lang="fr-FR" sz="700"/>
                 </a:p>
               </p:txBody>
             </p:sp>
@@ -3755,7 +3727,7 @@
                 <a:lstStyle/>
                 <a:p>
                   <a:pPr algn="ctr"/>
-                  <a:endParaRPr lang="fr-FR" sz="800"/>
+                  <a:endParaRPr lang="fr-FR" sz="700"/>
                 </a:p>
               </p:txBody>
             </p:sp>
@@ -3768,8 +3740,8 @@
             </p:nvSpPr>
             <p:spPr>
               <a:xfrm>
-                <a:off x="5151881" y="1278211"/>
-                <a:ext cx="1152197" cy="374590"/>
+                <a:off x="5151881" y="1298747"/>
+                <a:ext cx="1421578" cy="374200"/>
               </a:xfrm>
               <a:prstGeom prst="rect">
                 <a:avLst/>
@@ -3783,13 +3755,13 @@
               <a:lstStyle/>
               <a:p>
                 <a:r>
-                  <a:rPr lang="fr-FR" sz="800" dirty="0" smtClean="0">
+                  <a:rPr lang="fr-FR" sz="700" dirty="0">
                     <a:latin typeface="Arial" panose="020B0604020202020204" pitchFamily="34" charset="0"/>
                     <a:cs typeface="Arial" panose="020B0604020202020204" pitchFamily="34" charset="0"/>
                   </a:rPr>
                   <a:t>0 – 200m</a:t>
                 </a:r>
-                <a:endParaRPr lang="fr-FR" sz="800" dirty="0">
+                <a:endParaRPr lang="fr-FR" sz="700" dirty="0">
                   <a:latin typeface="Arial" panose="020B0604020202020204" pitchFamily="34" charset="0"/>
                   <a:cs typeface="Arial" panose="020B0604020202020204" pitchFamily="34" charset="0"/>
                 </a:endParaRPr>
@@ -3804,8 +3776,8 @@
             </p:nvSpPr>
             <p:spPr>
               <a:xfrm>
-                <a:off x="7293088" y="3450344"/>
-                <a:ext cx="1434822" cy="374590"/>
+                <a:off x="7293089" y="3450344"/>
+                <a:ext cx="1434821" cy="374200"/>
               </a:xfrm>
               <a:prstGeom prst="rect">
                 <a:avLst/>
@@ -3819,13 +3791,13 @@
               <a:lstStyle/>
               <a:p>
                 <a:r>
-                  <a:rPr lang="fr-FR" sz="800" dirty="0" smtClean="0">
+                  <a:rPr lang="fr-FR" sz="700" dirty="0">
                     <a:latin typeface="Arial" panose="020B0604020202020204" pitchFamily="34" charset="0"/>
                     <a:cs typeface="Arial" panose="020B0604020202020204" pitchFamily="34" charset="0"/>
                   </a:rPr>
                   <a:t>400 – 600m</a:t>
                 </a:r>
-                <a:endParaRPr lang="fr-FR" sz="800" dirty="0">
+                <a:endParaRPr lang="fr-FR" sz="700" dirty="0">
                   <a:latin typeface="Arial" panose="020B0604020202020204" pitchFamily="34" charset="0"/>
                   <a:cs typeface="Arial" panose="020B0604020202020204" pitchFamily="34" charset="0"/>
                 </a:endParaRPr>
@@ -3841,7 +3813,7 @@
             <p:spPr>
               <a:xfrm>
                 <a:off x="2762251" y="3450344"/>
-                <a:ext cx="1399606" cy="374590"/>
+                <a:ext cx="1399605" cy="374200"/>
               </a:xfrm>
               <a:prstGeom prst="rect">
                 <a:avLst/>
@@ -3855,20 +3827,20 @@
               <a:lstStyle/>
               <a:p>
                 <a:r>
-                  <a:rPr lang="fr-FR" sz="800" dirty="0">
+                  <a:rPr lang="fr-FR" sz="700" dirty="0">
                     <a:latin typeface="Arial" panose="020B0604020202020204" pitchFamily="34" charset="0"/>
                     <a:cs typeface="Arial" panose="020B0604020202020204" pitchFamily="34" charset="0"/>
                   </a:rPr>
                   <a:t>2</a:t>
                 </a:r>
                 <a:r>
-                  <a:rPr lang="fr-FR" sz="800" dirty="0" smtClean="0">
+                  <a:rPr lang="fr-FR" sz="700" dirty="0">
                     <a:latin typeface="Arial" panose="020B0604020202020204" pitchFamily="34" charset="0"/>
                     <a:cs typeface="Arial" panose="020B0604020202020204" pitchFamily="34" charset="0"/>
                   </a:rPr>
                   <a:t>00 – 400m</a:t>
                 </a:r>
-                <a:endParaRPr lang="fr-FR" sz="800" dirty="0">
+                <a:endParaRPr lang="fr-FR" sz="700" dirty="0">
                   <a:latin typeface="Arial" panose="020B0604020202020204" pitchFamily="34" charset="0"/>
                   <a:cs typeface="Arial" panose="020B0604020202020204" pitchFamily="34" charset="0"/>
                 </a:endParaRPr>
@@ -3883,8 +3855,8 @@
             </p:nvSpPr>
             <p:spPr>
               <a:xfrm>
-                <a:off x="2924615" y="2114349"/>
-                <a:ext cx="1440541" cy="588640"/>
+                <a:off x="2924615" y="2114350"/>
+                <a:ext cx="1440541" cy="575692"/>
               </a:xfrm>
               <a:prstGeom prst="rect">
                 <a:avLst/>
@@ -3898,13 +3870,13 @@
               <a:lstStyle/>
               <a:p>
                 <a:r>
-                  <a:rPr lang="fr-FR" sz="800" dirty="0" smtClean="0">
+                  <a:rPr lang="fr-FR" sz="700" dirty="0">
                     <a:latin typeface="Arial" panose="020B0604020202020204" pitchFamily="34" charset="0"/>
                     <a:cs typeface="Arial" panose="020B0604020202020204" pitchFamily="34" charset="0"/>
                   </a:rPr>
                   <a:t>0 – 200m &amp; 200 – 400m</a:t>
                 </a:r>
-                <a:endParaRPr lang="fr-FR" sz="800" dirty="0">
+                <a:endParaRPr lang="fr-FR" sz="700" dirty="0">
                   <a:latin typeface="Arial" panose="020B0604020202020204" pitchFamily="34" charset="0"/>
                   <a:cs typeface="Arial" panose="020B0604020202020204" pitchFamily="34" charset="0"/>
                 </a:endParaRPr>
@@ -3919,8 +3891,8 @@
             </p:nvSpPr>
             <p:spPr>
               <a:xfrm>
-                <a:off x="7056918" y="2114349"/>
-                <a:ext cx="1440541" cy="588640"/>
+                <a:off x="7056919" y="2114350"/>
+                <a:ext cx="1440541" cy="575692"/>
               </a:xfrm>
               <a:prstGeom prst="rect">
                 <a:avLst/>
@@ -3934,13 +3906,13 @@
               <a:lstStyle/>
               <a:p>
                 <a:r>
-                  <a:rPr lang="fr-FR" sz="800" dirty="0" smtClean="0">
+                  <a:rPr lang="fr-FR" sz="700" dirty="0">
                     <a:latin typeface="Arial" panose="020B0604020202020204" pitchFamily="34" charset="0"/>
                     <a:cs typeface="Arial" panose="020B0604020202020204" pitchFamily="34" charset="0"/>
                   </a:rPr>
                   <a:t>0 – 200m &amp; 400 – 600m</a:t>
                 </a:r>
-                <a:endParaRPr lang="fr-FR" sz="800" dirty="0">
+                <a:endParaRPr lang="fr-FR" sz="700" dirty="0">
                   <a:latin typeface="Arial" panose="020B0604020202020204" pitchFamily="34" charset="0"/>
                   <a:cs typeface="Arial" panose="020B0604020202020204" pitchFamily="34" charset="0"/>
                 </a:endParaRPr>
@@ -3955,8 +3927,8 @@
             </p:nvSpPr>
             <p:spPr>
               <a:xfrm>
-                <a:off x="4898084" y="4772479"/>
-                <a:ext cx="1659791" cy="588640"/>
+                <a:off x="4898083" y="4772479"/>
+                <a:ext cx="1659791" cy="575692"/>
               </a:xfrm>
               <a:prstGeom prst="rect">
                 <a:avLst/>
@@ -3970,13 +3942,13 @@
               <a:lstStyle/>
               <a:p>
                 <a:r>
-                  <a:rPr lang="fr-FR" sz="800" dirty="0" smtClean="0">
+                  <a:rPr lang="fr-FR" sz="700" dirty="0">
                     <a:latin typeface="Arial" panose="020B0604020202020204" pitchFamily="34" charset="0"/>
                     <a:cs typeface="Arial" panose="020B0604020202020204" pitchFamily="34" charset="0"/>
                   </a:rPr>
                   <a:t>200 – 400m &amp; 400 – 600m</a:t>
                 </a:r>
-                <a:endParaRPr lang="fr-FR" sz="800" dirty="0">
+                <a:endParaRPr lang="fr-FR" sz="700" dirty="0">
                   <a:latin typeface="Arial" panose="020B0604020202020204" pitchFamily="34" charset="0"/>
                   <a:cs typeface="Arial" panose="020B0604020202020204" pitchFamily="34" charset="0"/>
                 </a:endParaRPr>
@@ -3993,9 +3965,9 @@
               <p:nvPr/>
             </p:nvCxnSpPr>
             <p:spPr>
-              <a:xfrm>
-                <a:off x="5727980" y="1652801"/>
-                <a:ext cx="724" cy="328854"/>
+              <a:xfrm flipH="1">
+                <a:off x="5728703" y="1672947"/>
+                <a:ext cx="133968" cy="308707"/>
               </a:xfrm>
               <a:prstGeom prst="line">
                 <a:avLst/>
@@ -4031,8 +4003,8 @@
             </p:nvCxnSpPr>
             <p:spPr>
               <a:xfrm flipH="1">
-                <a:off x="6304080" y="2408669"/>
-                <a:ext cx="752839" cy="660894"/>
+                <a:off x="6304080" y="2402197"/>
+                <a:ext cx="752839" cy="667367"/>
               </a:xfrm>
               <a:prstGeom prst="line">
                 <a:avLst/>
@@ -4069,8 +4041,8 @@
             </p:nvCxnSpPr>
             <p:spPr>
               <a:xfrm flipH="1" flipV="1">
-                <a:off x="7054591" y="3636283"/>
-                <a:ext cx="238497" cy="1356"/>
+                <a:off x="7054589" y="3636281"/>
+                <a:ext cx="238499" cy="1163"/>
               </a:xfrm>
               <a:prstGeom prst="line">
                 <a:avLst/>
@@ -4107,8 +4079,8 @@
             </p:nvCxnSpPr>
             <p:spPr>
               <a:xfrm flipV="1">
-                <a:off x="4161857" y="3636283"/>
-                <a:ext cx="240961" cy="1356"/>
+                <a:off x="4161856" y="3636281"/>
+                <a:ext cx="240961" cy="1163"/>
               </a:xfrm>
               <a:prstGeom prst="line">
                 <a:avLst/>
@@ -4145,7 +4117,7 @@
             <p:spPr>
               <a:xfrm>
                 <a:off x="5727978" y="3881612"/>
-                <a:ext cx="2" cy="890867"/>
+                <a:ext cx="0" cy="890867"/>
               </a:xfrm>
               <a:prstGeom prst="line">
                 <a:avLst/>
@@ -4181,8 +4153,8 @@
             </p:nvCxnSpPr>
             <p:spPr>
               <a:xfrm>
-                <a:off x="4365156" y="2408669"/>
-                <a:ext cx="780216" cy="613877"/>
+                <a:off x="4365156" y="2402197"/>
+                <a:ext cx="780215" cy="620348"/>
               </a:xfrm>
               <a:prstGeom prst="line">
                 <a:avLst/>
@@ -4216,8 +4188,8 @@
             </p:nvSpPr>
             <p:spPr>
               <a:xfrm>
-                <a:off x="7345266" y="4398244"/>
-                <a:ext cx="1152197" cy="374590"/>
+                <a:off x="7345267" y="4398243"/>
+                <a:ext cx="1152197" cy="374200"/>
               </a:xfrm>
               <a:prstGeom prst="rect">
                 <a:avLst/>
@@ -4231,20 +4203,20 @@
               <a:lstStyle/>
               <a:p>
                 <a:r>
-                  <a:rPr lang="fr-FR" sz="800" dirty="0" smtClean="0">
+                  <a:rPr lang="fr-FR" sz="700" dirty="0">
                     <a:latin typeface="Arial" panose="020B0604020202020204" pitchFamily="34" charset="0"/>
                     <a:cs typeface="Arial" panose="020B0604020202020204" pitchFamily="34" charset="0"/>
                   </a:rPr>
                   <a:t>All </a:t>
                 </a:r>
                 <a:r>
-                  <a:rPr lang="fr-FR" sz="800" dirty="0" err="1" smtClean="0">
+                  <a:rPr lang="fr-FR" sz="700" dirty="0" err="1">
                     <a:latin typeface="Arial" panose="020B0604020202020204" pitchFamily="34" charset="0"/>
                     <a:cs typeface="Arial" panose="020B0604020202020204" pitchFamily="34" charset="0"/>
                   </a:rPr>
                   <a:t>layers</a:t>
                 </a:r>
-                <a:endParaRPr lang="fr-FR" sz="800" dirty="0">
+                <a:endParaRPr lang="fr-FR" sz="700" dirty="0">
                   <a:latin typeface="Arial" panose="020B0604020202020204" pitchFamily="34" charset="0"/>
                   <a:cs typeface="Arial" panose="020B0604020202020204" pitchFamily="34" charset="0"/>
                 </a:endParaRPr>
@@ -4261,8 +4233,8 @@
             </p:nvCxnSpPr>
             <p:spPr>
               <a:xfrm>
-                <a:off x="5782730" y="3336304"/>
-                <a:ext cx="1562536" cy="1249235"/>
+                <a:off x="5782731" y="3336304"/>
+                <a:ext cx="1562536" cy="1249041"/>
               </a:xfrm>
               <a:prstGeom prst="line">
                 <a:avLst/>
@@ -4289,6 +4261,36 @@
             </p:style>
           </p:cxnSp>
         </p:grpSp>
+        <p:pic>
+          <p:nvPicPr>
+            <p:cNvPr id="4" name="Image 3"/>
+            <p:cNvPicPr>
+              <a:picLocks noChangeAspect="1"/>
+            </p:cNvPicPr>
+            <p:nvPr/>
+          </p:nvPicPr>
+          <p:blipFill>
+            <a:blip r:embed="rId2" cstate="print">
+              <a:extLst>
+                <a:ext uri="{28A0092B-C50C-407E-A947-70E740481C1C}">
+                  <a14:useLocalDpi xmlns:a14="http://schemas.microsoft.com/office/drawing/2010/main" val="0"/>
+                </a:ext>
+              </a:extLst>
+            </a:blip>
+            <a:stretch>
+              <a:fillRect/>
+            </a:stretch>
+          </p:blipFill>
+          <p:spPr>
+            <a:xfrm>
+              <a:off x="493886" y="0"/>
+              <a:ext cx="4742362" cy="8002736"/>
+            </a:xfrm>
+            <a:prstGeom prst="rect">
+              <a:avLst/>
+            </a:prstGeom>
+          </p:spPr>
+        </p:pic>
       </p:grpSp>
     </p:spTree>
     <p:extLst>
@@ -4306,7 +4308,7 @@
 <file path=ppt/theme/theme1.xml><?xml version="1.0" encoding="utf-8"?>
 <a:theme xmlns:a="http://schemas.openxmlformats.org/drawingml/2006/main" name="Thème Office">
   <a:themeElements>
-    <a:clrScheme name="Office">
+    <a:clrScheme name="Thème Office">
       <a:dk1>
         <a:sysClr val="windowText" lastClr="000000"/>
       </a:dk1>
@@ -4344,7 +4346,7 @@
         <a:srgbClr val="954F72"/>
       </a:folHlink>
     </a:clrScheme>
-    <a:fontScheme name="Office">
+    <a:fontScheme name="Thème Office">
       <a:majorFont>
         <a:latin typeface="Calibri Light" panose="020F0302020204030204"/>
         <a:ea typeface=""/>
@@ -4416,7 +4418,7 @@
         <a:font script="Geor" typeface="Sylfaen"/>
       </a:minorFont>
     </a:fontScheme>
-    <a:fmtScheme name="Office">
+    <a:fmtScheme name="Thème Office">
       <a:fillStyleLst>
         <a:solidFill>
           <a:schemeClr val="phClr"/>

--- a/06_Figures/Figure5.pptx
+++ b/06_Figures/Figure5.pptx
@@ -6,6 +6,7 @@
   </p:sldMasterIdLst>
   <p:sldIdLst>
     <p:sldId id="256" r:id="rId2"/>
+    <p:sldId id="257" r:id="rId3"/>
   </p:sldIdLst>
   <p:sldSz cx="9144000" cy="6858000" type="screen4x3"/>
   <p:notesSz cx="6858000" cy="9144000"/>
@@ -243,7 +244,7 @@
           <a:p>
             <a:fld id="{3FF39126-F987-48DB-9EEF-9CD00B9E823D}" type="datetimeFigureOut">
               <a:rPr lang="fr-FR" smtClean="0"/>
-              <a:t>12/07/2022</a:t>
+              <a:t>05/09/2022</a:t>
             </a:fld>
             <a:endParaRPr lang="fr-FR"/>
           </a:p>
@@ -294,7 +295,7 @@
     </p:spTree>
     <p:extLst>
       <p:ext uri="{BB962C8B-B14F-4D97-AF65-F5344CB8AC3E}">
-        <p14:creationId xmlns:p14="http://schemas.microsoft.com/office/powerpoint/2010/main" val="4206738952"/>
+        <p14:creationId xmlns:p14="http://schemas.microsoft.com/office/powerpoint/2010/main" val="230633228"/>
       </p:ext>
     </p:extLst>
   </p:cSld>
@@ -413,7 +414,7 @@
           <a:p>
             <a:fld id="{3FF39126-F987-48DB-9EEF-9CD00B9E823D}" type="datetimeFigureOut">
               <a:rPr lang="fr-FR" smtClean="0"/>
-              <a:t>12/07/2022</a:t>
+              <a:t>05/09/2022</a:t>
             </a:fld>
             <a:endParaRPr lang="fr-FR"/>
           </a:p>
@@ -464,7 +465,7 @@
     </p:spTree>
     <p:extLst>
       <p:ext uri="{BB962C8B-B14F-4D97-AF65-F5344CB8AC3E}">
-        <p14:creationId xmlns:p14="http://schemas.microsoft.com/office/powerpoint/2010/main" val="2291071637"/>
+        <p14:creationId xmlns:p14="http://schemas.microsoft.com/office/powerpoint/2010/main" val="2699092476"/>
       </p:ext>
     </p:extLst>
   </p:cSld>
@@ -593,7 +594,7 @@
           <a:p>
             <a:fld id="{3FF39126-F987-48DB-9EEF-9CD00B9E823D}" type="datetimeFigureOut">
               <a:rPr lang="fr-FR" smtClean="0"/>
-              <a:t>12/07/2022</a:t>
+              <a:t>05/09/2022</a:t>
             </a:fld>
             <a:endParaRPr lang="fr-FR"/>
           </a:p>
@@ -644,7 +645,7 @@
     </p:spTree>
     <p:extLst>
       <p:ext uri="{BB962C8B-B14F-4D97-AF65-F5344CB8AC3E}">
-        <p14:creationId xmlns:p14="http://schemas.microsoft.com/office/powerpoint/2010/main" val="214531681"/>
+        <p14:creationId xmlns:p14="http://schemas.microsoft.com/office/powerpoint/2010/main" val="1787341382"/>
       </p:ext>
     </p:extLst>
   </p:cSld>
@@ -763,7 +764,7 @@
           <a:p>
             <a:fld id="{3FF39126-F987-48DB-9EEF-9CD00B9E823D}" type="datetimeFigureOut">
               <a:rPr lang="fr-FR" smtClean="0"/>
-              <a:t>12/07/2022</a:t>
+              <a:t>05/09/2022</a:t>
             </a:fld>
             <a:endParaRPr lang="fr-FR"/>
           </a:p>
@@ -814,7 +815,7 @@
     </p:spTree>
     <p:extLst>
       <p:ext uri="{BB962C8B-B14F-4D97-AF65-F5344CB8AC3E}">
-        <p14:creationId xmlns:p14="http://schemas.microsoft.com/office/powerpoint/2010/main" val="3711947038"/>
+        <p14:creationId xmlns:p14="http://schemas.microsoft.com/office/powerpoint/2010/main" val="3230416069"/>
       </p:ext>
     </p:extLst>
   </p:cSld>
@@ -1007,7 +1008,7 @@
           <a:p>
             <a:fld id="{3FF39126-F987-48DB-9EEF-9CD00B9E823D}" type="datetimeFigureOut">
               <a:rPr lang="fr-FR" smtClean="0"/>
-              <a:t>12/07/2022</a:t>
+              <a:t>05/09/2022</a:t>
             </a:fld>
             <a:endParaRPr lang="fr-FR"/>
           </a:p>
@@ -1058,7 +1059,7 @@
     </p:spTree>
     <p:extLst>
       <p:ext uri="{BB962C8B-B14F-4D97-AF65-F5344CB8AC3E}">
-        <p14:creationId xmlns:p14="http://schemas.microsoft.com/office/powerpoint/2010/main" val="2749573034"/>
+        <p14:creationId xmlns:p14="http://schemas.microsoft.com/office/powerpoint/2010/main" val="3938686929"/>
       </p:ext>
     </p:extLst>
   </p:cSld>
@@ -1239,7 +1240,7 @@
           <a:p>
             <a:fld id="{3FF39126-F987-48DB-9EEF-9CD00B9E823D}" type="datetimeFigureOut">
               <a:rPr lang="fr-FR" smtClean="0"/>
-              <a:t>12/07/2022</a:t>
+              <a:t>05/09/2022</a:t>
             </a:fld>
             <a:endParaRPr lang="fr-FR"/>
           </a:p>
@@ -1290,7 +1291,7 @@
     </p:spTree>
     <p:extLst>
       <p:ext uri="{BB962C8B-B14F-4D97-AF65-F5344CB8AC3E}">
-        <p14:creationId xmlns:p14="http://schemas.microsoft.com/office/powerpoint/2010/main" val="3488864544"/>
+        <p14:creationId xmlns:p14="http://schemas.microsoft.com/office/powerpoint/2010/main" val="1728416221"/>
       </p:ext>
     </p:extLst>
   </p:cSld>
@@ -1606,7 +1607,7 @@
           <a:p>
             <a:fld id="{3FF39126-F987-48DB-9EEF-9CD00B9E823D}" type="datetimeFigureOut">
               <a:rPr lang="fr-FR" smtClean="0"/>
-              <a:t>12/07/2022</a:t>
+              <a:t>05/09/2022</a:t>
             </a:fld>
             <a:endParaRPr lang="fr-FR"/>
           </a:p>
@@ -1657,7 +1658,7 @@
     </p:spTree>
     <p:extLst>
       <p:ext uri="{BB962C8B-B14F-4D97-AF65-F5344CB8AC3E}">
-        <p14:creationId xmlns:p14="http://schemas.microsoft.com/office/powerpoint/2010/main" val="918431808"/>
+        <p14:creationId xmlns:p14="http://schemas.microsoft.com/office/powerpoint/2010/main" val="1156263349"/>
       </p:ext>
     </p:extLst>
   </p:cSld>
@@ -1724,7 +1725,7 @@
           <a:p>
             <a:fld id="{3FF39126-F987-48DB-9EEF-9CD00B9E823D}" type="datetimeFigureOut">
               <a:rPr lang="fr-FR" smtClean="0"/>
-              <a:t>12/07/2022</a:t>
+              <a:t>05/09/2022</a:t>
             </a:fld>
             <a:endParaRPr lang="fr-FR"/>
           </a:p>
@@ -1775,7 +1776,7 @@
     </p:spTree>
     <p:extLst>
       <p:ext uri="{BB962C8B-B14F-4D97-AF65-F5344CB8AC3E}">
-        <p14:creationId xmlns:p14="http://schemas.microsoft.com/office/powerpoint/2010/main" val="2511655755"/>
+        <p14:creationId xmlns:p14="http://schemas.microsoft.com/office/powerpoint/2010/main" val="798771028"/>
       </p:ext>
     </p:extLst>
   </p:cSld>
@@ -1819,7 +1820,7 @@
           <a:p>
             <a:fld id="{3FF39126-F987-48DB-9EEF-9CD00B9E823D}" type="datetimeFigureOut">
               <a:rPr lang="fr-FR" smtClean="0"/>
-              <a:t>12/07/2022</a:t>
+              <a:t>05/09/2022</a:t>
             </a:fld>
             <a:endParaRPr lang="fr-FR"/>
           </a:p>
@@ -1870,7 +1871,7 @@
     </p:spTree>
     <p:extLst>
       <p:ext uri="{BB962C8B-B14F-4D97-AF65-F5344CB8AC3E}">
-        <p14:creationId xmlns:p14="http://schemas.microsoft.com/office/powerpoint/2010/main" val="3330460115"/>
+        <p14:creationId xmlns:p14="http://schemas.microsoft.com/office/powerpoint/2010/main" val="2162009664"/>
       </p:ext>
     </p:extLst>
   </p:cSld>
@@ -2096,7 +2097,7 @@
           <a:p>
             <a:fld id="{3FF39126-F987-48DB-9EEF-9CD00B9E823D}" type="datetimeFigureOut">
               <a:rPr lang="fr-FR" smtClean="0"/>
-              <a:t>12/07/2022</a:t>
+              <a:t>05/09/2022</a:t>
             </a:fld>
             <a:endParaRPr lang="fr-FR"/>
           </a:p>
@@ -2147,7 +2148,7 @@
     </p:spTree>
     <p:extLst>
       <p:ext uri="{BB962C8B-B14F-4D97-AF65-F5344CB8AC3E}">
-        <p14:creationId xmlns:p14="http://schemas.microsoft.com/office/powerpoint/2010/main" val="1311717686"/>
+        <p14:creationId xmlns:p14="http://schemas.microsoft.com/office/powerpoint/2010/main" val="1334716761"/>
       </p:ext>
     </p:extLst>
   </p:cSld>
@@ -2353,7 +2354,7 @@
           <a:p>
             <a:fld id="{3FF39126-F987-48DB-9EEF-9CD00B9E823D}" type="datetimeFigureOut">
               <a:rPr lang="fr-FR" smtClean="0"/>
-              <a:t>12/07/2022</a:t>
+              <a:t>05/09/2022</a:t>
             </a:fld>
             <a:endParaRPr lang="fr-FR"/>
           </a:p>
@@ -2404,7 +2405,7 @@
     </p:spTree>
     <p:extLst>
       <p:ext uri="{BB962C8B-B14F-4D97-AF65-F5344CB8AC3E}">
-        <p14:creationId xmlns:p14="http://schemas.microsoft.com/office/powerpoint/2010/main" val="124703093"/>
+        <p14:creationId xmlns:p14="http://schemas.microsoft.com/office/powerpoint/2010/main" val="1453106759"/>
       </p:ext>
     </p:extLst>
   </p:cSld>
@@ -2566,7 +2567,7 @@
           <a:p>
             <a:fld id="{3FF39126-F987-48DB-9EEF-9CD00B9E823D}" type="datetimeFigureOut">
               <a:rPr lang="fr-FR" smtClean="0"/>
-              <a:t>12/07/2022</a:t>
+              <a:t>05/09/2022</a:t>
             </a:fld>
             <a:endParaRPr lang="fr-FR"/>
           </a:p>
@@ -2653,7 +2654,7 @@
     </p:spTree>
     <p:extLst>
       <p:ext uri="{BB962C8B-B14F-4D97-AF65-F5344CB8AC3E}">
-        <p14:creationId xmlns:p14="http://schemas.microsoft.com/office/powerpoint/2010/main" val="261788040"/>
+        <p14:creationId xmlns:p14="http://schemas.microsoft.com/office/powerpoint/2010/main" val="3854121371"/>
       </p:ext>
     </p:extLst>
   </p:cSld>
@@ -2973,18 +2974,48 @@
       </p:grpSpPr>
       <p:grpSp>
         <p:nvGrpSpPr>
-          <p:cNvPr id="10" name="Groupe 9"/>
+          <p:cNvPr id="3" name="Groupe 2"/>
           <p:cNvGrpSpPr/>
           <p:nvPr/>
         </p:nvGrpSpPr>
         <p:grpSpPr>
           <a:xfrm>
-            <a:off x="493886" y="0"/>
-            <a:ext cx="7677657" cy="8002736"/>
-            <a:chOff x="493886" y="0"/>
-            <a:chExt cx="7677657" cy="8002736"/>
+            <a:off x="640037" y="1026474"/>
+            <a:ext cx="7543800" cy="4849586"/>
+            <a:chOff x="853382" y="225632"/>
+            <a:chExt cx="10058400" cy="6466114"/>
           </a:xfrm>
         </p:grpSpPr>
+        <p:pic>
+          <p:nvPicPr>
+            <p:cNvPr id="2" name="Image 1"/>
+            <p:cNvPicPr>
+              <a:picLocks noChangeAspect="1"/>
+            </p:cNvPicPr>
+            <p:nvPr/>
+          </p:nvPicPr>
+          <p:blipFill>
+            <a:blip r:embed="rId2" cstate="print">
+              <a:extLst>
+                <a:ext uri="{28A0092B-C50C-407E-A947-70E740481C1C}">
+                  <a14:useLocalDpi xmlns:a14="http://schemas.microsoft.com/office/drawing/2010/main" val="0"/>
+                </a:ext>
+              </a:extLst>
+            </a:blip>
+            <a:stretch>
+              <a:fillRect/>
+            </a:stretch>
+          </p:blipFill>
+          <p:spPr>
+            <a:xfrm>
+              <a:off x="853382" y="225632"/>
+              <a:ext cx="10058400" cy="6466114"/>
+            </a:xfrm>
+            <a:prstGeom prst="rect">
+              <a:avLst/>
+            </a:prstGeom>
+          </p:spPr>
+        </p:pic>
         <p:grpSp>
           <p:nvGrpSpPr>
             <p:cNvPr id="74" name="Groupe 73"/>
@@ -2993,10 +3024,10 @@
           </p:nvGrpSpPr>
           <p:grpSpPr>
             <a:xfrm>
-              <a:off x="4945634" y="214181"/>
-              <a:ext cx="3225909" cy="2253248"/>
-              <a:chOff x="2762251" y="1298747"/>
-              <a:chExt cx="5965659" cy="4049424"/>
+              <a:off x="6982690" y="3865418"/>
+              <a:ext cx="3205885" cy="2379048"/>
+              <a:chOff x="2762251" y="1278211"/>
+              <a:chExt cx="5965659" cy="4136422"/>
             </a:xfrm>
           </p:grpSpPr>
           <p:grpSp>
@@ -3071,7 +3102,7 @@
                   <a:lstStyle/>
                   <a:p>
                     <a:pPr algn="ctr"/>
-                    <a:endParaRPr lang="fr-FR" sz="700"/>
+                    <a:endParaRPr lang="fr-FR" sz="600"/>
                   </a:p>
                 </p:txBody>
               </p:sp>
@@ -3119,7 +3150,7 @@
                   <a:lstStyle/>
                   <a:p>
                     <a:pPr algn="ctr"/>
-                    <a:endParaRPr lang="fr-FR" sz="700"/>
+                    <a:endParaRPr lang="fr-FR" sz="600"/>
                   </a:p>
                 </p:txBody>
               </p:sp>
@@ -3168,7 +3199,7 @@
                   <a:lstStyle/>
                   <a:p>
                     <a:pPr algn="ctr"/>
-                    <a:endParaRPr lang="fr-FR" sz="700"/>
+                    <a:endParaRPr lang="fr-FR" sz="600"/>
                   </a:p>
                 </p:txBody>
               </p:sp>
@@ -3309,7 +3340,7 @@
                 <a:lstStyle/>
                 <a:p>
                   <a:pPr algn="ctr"/>
-                  <a:endParaRPr lang="fr-FR" sz="700"/>
+                  <a:endParaRPr lang="fr-FR" sz="600"/>
                 </a:p>
               </p:txBody>
             </p:sp>
@@ -3321,8 +3352,8 @@
               </p:nvSpPr>
               <p:spPr>
                 <a:xfrm>
-                  <a:off x="6587452" y="3743948"/>
-                  <a:ext cx="739955" cy="1365817"/>
+                  <a:off x="6587452" y="3743949"/>
+                  <a:ext cx="739954" cy="1365817"/>
                 </a:xfrm>
                 <a:custGeom>
                   <a:avLst/>
@@ -3440,7 +3471,7 @@
                 <a:lstStyle/>
                 <a:p>
                   <a:pPr algn="ctr"/>
-                  <a:endParaRPr lang="fr-FR" sz="700"/>
+                  <a:endParaRPr lang="fr-FR" sz="600"/>
                 </a:p>
               </p:txBody>
             </p:sp>
@@ -3579,7 +3610,7 @@
                 <a:lstStyle/>
                 <a:p>
                   <a:pPr algn="ctr"/>
-                  <a:endParaRPr lang="fr-FR" sz="700"/>
+                  <a:endParaRPr lang="fr-FR" sz="600"/>
                 </a:p>
               </p:txBody>
             </p:sp>
@@ -3727,7 +3758,7 @@
                 <a:lstStyle/>
                 <a:p>
                   <a:pPr algn="ctr"/>
-                  <a:endParaRPr lang="fr-FR" sz="700"/>
+                  <a:endParaRPr lang="fr-FR" sz="600"/>
                 </a:p>
               </p:txBody>
             </p:sp>
@@ -3740,8 +3771,8 @@
             </p:nvSpPr>
             <p:spPr>
               <a:xfrm>
-                <a:off x="5151881" y="1298747"/>
-                <a:ext cx="1421578" cy="374200"/>
+                <a:off x="5151880" y="1278211"/>
+                <a:ext cx="1152196" cy="642153"/>
               </a:xfrm>
               <a:prstGeom prst="rect">
                 <a:avLst/>
@@ -3755,13 +3786,13 @@
               <a:lstStyle/>
               <a:p>
                 <a:r>
-                  <a:rPr lang="fr-FR" sz="700" dirty="0">
+                  <a:rPr lang="fr-FR" sz="600" dirty="0">
                     <a:latin typeface="Arial" panose="020B0604020202020204" pitchFamily="34" charset="0"/>
                     <a:cs typeface="Arial" panose="020B0604020202020204" pitchFamily="34" charset="0"/>
                   </a:rPr>
                   <a:t>0 – 200m</a:t>
                 </a:r>
-                <a:endParaRPr lang="fr-FR" sz="700" dirty="0">
+                <a:endParaRPr lang="fr-FR" sz="600" dirty="0">
                   <a:latin typeface="Arial" panose="020B0604020202020204" pitchFamily="34" charset="0"/>
                   <a:cs typeface="Arial" panose="020B0604020202020204" pitchFamily="34" charset="0"/>
                 </a:endParaRPr>
@@ -3777,7 +3808,7 @@
             <p:spPr>
               <a:xfrm>
                 <a:off x="7293089" y="3450344"/>
-                <a:ext cx="1434821" cy="374200"/>
+                <a:ext cx="1434821" cy="642153"/>
               </a:xfrm>
               <a:prstGeom prst="rect">
                 <a:avLst/>
@@ -3791,13 +3822,13 @@
               <a:lstStyle/>
               <a:p>
                 <a:r>
-                  <a:rPr lang="fr-FR" sz="700" dirty="0">
+                  <a:rPr lang="fr-FR" sz="600" dirty="0">
                     <a:latin typeface="Arial" panose="020B0604020202020204" pitchFamily="34" charset="0"/>
                     <a:cs typeface="Arial" panose="020B0604020202020204" pitchFamily="34" charset="0"/>
                   </a:rPr>
                   <a:t>400 – 600m</a:t>
                 </a:r>
-                <a:endParaRPr lang="fr-FR" sz="700" dirty="0">
+                <a:endParaRPr lang="fr-FR" sz="600" dirty="0">
                   <a:latin typeface="Arial" panose="020B0604020202020204" pitchFamily="34" charset="0"/>
                   <a:cs typeface="Arial" panose="020B0604020202020204" pitchFamily="34" charset="0"/>
                 </a:endParaRPr>
@@ -3813,7 +3844,7 @@
             <p:spPr>
               <a:xfrm>
                 <a:off x="2762251" y="3450344"/>
-                <a:ext cx="1399605" cy="374200"/>
+                <a:ext cx="1399607" cy="642153"/>
               </a:xfrm>
               <a:prstGeom prst="rect">
                 <a:avLst/>
@@ -3827,20 +3858,20 @@
               <a:lstStyle/>
               <a:p>
                 <a:r>
-                  <a:rPr lang="fr-FR" sz="700" dirty="0">
+                  <a:rPr lang="fr-FR" sz="600" dirty="0">
                     <a:latin typeface="Arial" panose="020B0604020202020204" pitchFamily="34" charset="0"/>
                     <a:cs typeface="Arial" panose="020B0604020202020204" pitchFamily="34" charset="0"/>
                   </a:rPr>
                   <a:t>2</a:t>
                 </a:r>
                 <a:r>
-                  <a:rPr lang="fr-FR" sz="700" dirty="0">
+                  <a:rPr lang="fr-FR" sz="600" dirty="0">
                     <a:latin typeface="Arial" panose="020B0604020202020204" pitchFamily="34" charset="0"/>
                     <a:cs typeface="Arial" panose="020B0604020202020204" pitchFamily="34" charset="0"/>
                   </a:rPr>
                   <a:t>00 – 400m</a:t>
                 </a:r>
-                <a:endParaRPr lang="fr-FR" sz="700" dirty="0">
+                <a:endParaRPr lang="fr-FR" sz="600" dirty="0">
                   <a:latin typeface="Arial" panose="020B0604020202020204" pitchFamily="34" charset="0"/>
                   <a:cs typeface="Arial" panose="020B0604020202020204" pitchFamily="34" charset="0"/>
                 </a:endParaRPr>
@@ -3855,8 +3886,8 @@
             </p:nvSpPr>
             <p:spPr>
               <a:xfrm>
-                <a:off x="2924615" y="2114350"/>
-                <a:ext cx="1440541" cy="575692"/>
+                <a:off x="2924616" y="2114348"/>
+                <a:ext cx="1440540" cy="856204"/>
               </a:xfrm>
               <a:prstGeom prst="rect">
                 <a:avLst/>
@@ -3870,13 +3901,13 @@
               <a:lstStyle/>
               <a:p>
                 <a:r>
-                  <a:rPr lang="fr-FR" sz="700" dirty="0">
+                  <a:rPr lang="fr-FR" sz="600" dirty="0">
                     <a:latin typeface="Arial" panose="020B0604020202020204" pitchFamily="34" charset="0"/>
                     <a:cs typeface="Arial" panose="020B0604020202020204" pitchFamily="34" charset="0"/>
                   </a:rPr>
                   <a:t>0 – 200m &amp; 200 – 400m</a:t>
                 </a:r>
-                <a:endParaRPr lang="fr-FR" sz="700" dirty="0">
+                <a:endParaRPr lang="fr-FR" sz="600" dirty="0">
                   <a:latin typeface="Arial" panose="020B0604020202020204" pitchFamily="34" charset="0"/>
                   <a:cs typeface="Arial" panose="020B0604020202020204" pitchFamily="34" charset="0"/>
                 </a:endParaRPr>
@@ -3891,8 +3922,8 @@
             </p:nvSpPr>
             <p:spPr>
               <a:xfrm>
-                <a:off x="7056919" y="2114350"/>
-                <a:ext cx="1440541" cy="575692"/>
+                <a:off x="7056917" y="2114348"/>
+                <a:ext cx="1440540" cy="856204"/>
               </a:xfrm>
               <a:prstGeom prst="rect">
                 <a:avLst/>
@@ -3906,13 +3937,13 @@
               <a:lstStyle/>
               <a:p>
                 <a:r>
-                  <a:rPr lang="fr-FR" sz="700" dirty="0">
+                  <a:rPr lang="fr-FR" sz="600" dirty="0">
                     <a:latin typeface="Arial" panose="020B0604020202020204" pitchFamily="34" charset="0"/>
                     <a:cs typeface="Arial" panose="020B0604020202020204" pitchFamily="34" charset="0"/>
                   </a:rPr>
                   <a:t>0 – 200m &amp; 400 – 600m</a:t>
                 </a:r>
-                <a:endParaRPr lang="fr-FR" sz="700" dirty="0">
+                <a:endParaRPr lang="fr-FR" sz="600" dirty="0">
                   <a:latin typeface="Arial" panose="020B0604020202020204" pitchFamily="34" charset="0"/>
                   <a:cs typeface="Arial" panose="020B0604020202020204" pitchFamily="34" charset="0"/>
                 </a:endParaRPr>
@@ -3927,8 +3958,8 @@
             </p:nvSpPr>
             <p:spPr>
               <a:xfrm>
-                <a:off x="4898083" y="4772479"/>
-                <a:ext cx="1659791" cy="575692"/>
+                <a:off x="4898083" y="4772480"/>
+                <a:ext cx="1659790" cy="642153"/>
               </a:xfrm>
               <a:prstGeom prst="rect">
                 <a:avLst/>
@@ -3942,13 +3973,13 @@
               <a:lstStyle/>
               <a:p>
                 <a:r>
-                  <a:rPr lang="fr-FR" sz="700" dirty="0">
+                  <a:rPr lang="fr-FR" sz="600" dirty="0">
                     <a:latin typeface="Arial" panose="020B0604020202020204" pitchFamily="34" charset="0"/>
                     <a:cs typeface="Arial" panose="020B0604020202020204" pitchFamily="34" charset="0"/>
                   </a:rPr>
                   <a:t>200 – 400m &amp; 400 – 600m</a:t>
                 </a:r>
-                <a:endParaRPr lang="fr-FR" sz="700" dirty="0">
+                <a:endParaRPr lang="fr-FR" sz="600" dirty="0">
                   <a:latin typeface="Arial" panose="020B0604020202020204" pitchFamily="34" charset="0"/>
                   <a:cs typeface="Arial" panose="020B0604020202020204" pitchFamily="34" charset="0"/>
                 </a:endParaRPr>
@@ -3965,9 +3996,9 @@
               <p:nvPr/>
             </p:nvCxnSpPr>
             <p:spPr>
-              <a:xfrm flipH="1">
-                <a:off x="5728703" y="1672947"/>
-                <a:ext cx="133968" cy="308707"/>
+              <a:xfrm>
+                <a:off x="5727978" y="1920364"/>
+                <a:ext cx="727" cy="61290"/>
               </a:xfrm>
               <a:prstGeom prst="line">
                 <a:avLst/>
@@ -4003,8 +4034,8 @@
             </p:nvCxnSpPr>
             <p:spPr>
               <a:xfrm flipH="1">
-                <a:off x="6304080" y="2402197"/>
-                <a:ext cx="752839" cy="667367"/>
+                <a:off x="6304081" y="2542450"/>
+                <a:ext cx="752836" cy="527115"/>
               </a:xfrm>
               <a:prstGeom prst="line">
                 <a:avLst/>
@@ -4041,8 +4072,8 @@
             </p:nvCxnSpPr>
             <p:spPr>
               <a:xfrm flipH="1" flipV="1">
-                <a:off x="7054589" y="3636281"/>
-                <a:ext cx="238499" cy="1163"/>
+                <a:off x="7054590" y="3636282"/>
+                <a:ext cx="238498" cy="135140"/>
               </a:xfrm>
               <a:prstGeom prst="line">
                 <a:avLst/>
@@ -4079,8 +4110,8 @@
             </p:nvCxnSpPr>
             <p:spPr>
               <a:xfrm flipV="1">
-                <a:off x="4161856" y="3636281"/>
-                <a:ext cx="240961" cy="1163"/>
+                <a:off x="4161858" y="3636282"/>
+                <a:ext cx="240960" cy="135140"/>
               </a:xfrm>
               <a:prstGeom prst="line">
                 <a:avLst/>
@@ -4116,8 +4147,8 @@
             </p:nvCxnSpPr>
             <p:spPr>
               <a:xfrm>
-                <a:off x="5727978" y="3881612"/>
-                <a:ext cx="0" cy="890867"/>
+                <a:off x="5727978" y="3881611"/>
+                <a:ext cx="0" cy="890869"/>
               </a:xfrm>
               <a:prstGeom prst="line">
                 <a:avLst/>
@@ -4153,8 +4184,8 @@
             </p:nvCxnSpPr>
             <p:spPr>
               <a:xfrm>
-                <a:off x="4365156" y="2402197"/>
-                <a:ext cx="780215" cy="620348"/>
+                <a:off x="4365156" y="2542450"/>
+                <a:ext cx="780216" cy="480096"/>
               </a:xfrm>
               <a:prstGeom prst="line">
                 <a:avLst/>
@@ -4188,8 +4219,8 @@
             </p:nvSpPr>
             <p:spPr>
               <a:xfrm>
-                <a:off x="7345267" y="4398243"/>
-                <a:ext cx="1152197" cy="374200"/>
+                <a:off x="7345267" y="4398245"/>
+                <a:ext cx="1152196" cy="642153"/>
               </a:xfrm>
               <a:prstGeom prst="rect">
                 <a:avLst/>
@@ -4203,20 +4234,20 @@
               <a:lstStyle/>
               <a:p>
                 <a:r>
-                  <a:rPr lang="fr-FR" sz="700" dirty="0">
+                  <a:rPr lang="fr-FR" sz="600" dirty="0">
                     <a:latin typeface="Arial" panose="020B0604020202020204" pitchFamily="34" charset="0"/>
                     <a:cs typeface="Arial" panose="020B0604020202020204" pitchFamily="34" charset="0"/>
                   </a:rPr>
                   <a:t>All </a:t>
                 </a:r>
                 <a:r>
-                  <a:rPr lang="fr-FR" sz="700" dirty="0" err="1">
+                  <a:rPr lang="fr-FR" sz="600" dirty="0" err="1">
                     <a:latin typeface="Arial" panose="020B0604020202020204" pitchFamily="34" charset="0"/>
                     <a:cs typeface="Arial" panose="020B0604020202020204" pitchFamily="34" charset="0"/>
                   </a:rPr>
                   <a:t>layers</a:t>
                 </a:r>
-                <a:endParaRPr lang="fr-FR" sz="700" dirty="0">
+                <a:endParaRPr lang="fr-FR" sz="600" dirty="0">
                   <a:latin typeface="Arial" panose="020B0604020202020204" pitchFamily="34" charset="0"/>
                   <a:cs typeface="Arial" panose="020B0604020202020204" pitchFamily="34" charset="0"/>
                 </a:endParaRPr>
@@ -4233,8 +4264,8 @@
             </p:nvCxnSpPr>
             <p:spPr>
               <a:xfrm>
-                <a:off x="5782731" y="3336304"/>
-                <a:ext cx="1562536" cy="1249041"/>
+                <a:off x="5782729" y="3336305"/>
+                <a:ext cx="1562538" cy="1383017"/>
               </a:xfrm>
               <a:prstGeom prst="line">
                 <a:avLst/>
@@ -4261,6 +4292,51 @@
             </p:style>
           </p:cxnSp>
         </p:grpSp>
+      </p:grpSp>
+    </p:spTree>
+    <p:extLst>
+      <p:ext uri="{BB962C8B-B14F-4D97-AF65-F5344CB8AC3E}">
+        <p14:creationId xmlns:p14="http://schemas.microsoft.com/office/powerpoint/2010/main" val="3340465834"/>
+      </p:ext>
+    </p:extLst>
+  </p:cSld>
+  <p:clrMapOvr>
+    <a:masterClrMapping/>
+  </p:clrMapOvr>
+</p:sld>
+</file>
+
+<file path=ppt/slides/slide2.xml><?xml version="1.0" encoding="utf-8"?>
+<p:sld xmlns:a="http://schemas.openxmlformats.org/drawingml/2006/main" xmlns:r="http://schemas.openxmlformats.org/officeDocument/2006/relationships" xmlns:p="http://schemas.openxmlformats.org/presentationml/2006/main">
+  <p:cSld>
+    <p:spTree>
+      <p:nvGrpSpPr>
+        <p:cNvPr id="1" name=""/>
+        <p:cNvGrpSpPr/>
+        <p:nvPr/>
+      </p:nvGrpSpPr>
+      <p:grpSpPr>
+        <a:xfrm>
+          <a:off x="0" y="0"/>
+          <a:ext cx="0" cy="0"/>
+          <a:chOff x="0" y="0"/>
+          <a:chExt cx="0" cy="0"/>
+        </a:xfrm>
+      </p:grpSpPr>
+      <p:grpSp>
+        <p:nvGrpSpPr>
+          <p:cNvPr id="6" name="Groupe 5"/>
+          <p:cNvGrpSpPr/>
+          <p:nvPr/>
+        </p:nvGrpSpPr>
+        <p:grpSpPr>
+          <a:xfrm>
+            <a:off x="329184" y="223114"/>
+            <a:ext cx="5062118" cy="7983841"/>
+            <a:chOff x="329184" y="223114"/>
+            <a:chExt cx="5062118" cy="7983841"/>
+          </a:xfrm>
+        </p:grpSpPr>
         <p:pic>
           <p:nvPicPr>
             <p:cNvPr id="4" name="Image 3"/>
@@ -4283,8 +4359,38 @@
           </p:blipFill>
           <p:spPr>
             <a:xfrm>
-              <a:off x="493886" y="0"/>
-              <a:ext cx="4742362" cy="8002736"/>
+              <a:off x="329184" y="223114"/>
+              <a:ext cx="5062118" cy="6327648"/>
+            </a:xfrm>
+            <a:prstGeom prst="rect">
+              <a:avLst/>
+            </a:prstGeom>
+          </p:spPr>
+        </p:pic>
+        <p:pic>
+          <p:nvPicPr>
+            <p:cNvPr id="5" name="Image 4"/>
+            <p:cNvPicPr>
+              <a:picLocks noChangeAspect="1"/>
+            </p:cNvPicPr>
+            <p:nvPr/>
+          </p:nvPicPr>
+          <p:blipFill>
+            <a:blip r:embed="rId3" cstate="print">
+              <a:extLst>
+                <a:ext uri="{28A0092B-C50C-407E-A947-70E740481C1C}">
+                  <a14:useLocalDpi xmlns:a14="http://schemas.microsoft.com/office/drawing/2010/main" val="0"/>
+                </a:ext>
+              </a:extLst>
+            </a:blip>
+            <a:stretch>
+              <a:fillRect/>
+            </a:stretch>
+          </p:blipFill>
+          <p:spPr>
+            <a:xfrm>
+              <a:off x="1750284" y="6634795"/>
+              <a:ext cx="2219917" cy="1572160"/>
             </a:xfrm>
             <a:prstGeom prst="rect">
               <a:avLst/>
@@ -4295,7 +4401,7 @@
     </p:spTree>
     <p:extLst>
       <p:ext uri="{BB962C8B-B14F-4D97-AF65-F5344CB8AC3E}">
-        <p14:creationId xmlns:p14="http://schemas.microsoft.com/office/powerpoint/2010/main" val="3340465834"/>
+        <p14:creationId xmlns:p14="http://schemas.microsoft.com/office/powerpoint/2010/main" val="1219776482"/>
       </p:ext>
     </p:extLst>
   </p:cSld>
